--- a/Slides/Python Basics_20190630.pptx
+++ b/Slides/Python Basics_20190630.pptx
@@ -24,6 +24,7 @@
     <p:sldId id="273" r:id="rId18"/>
     <p:sldId id="274" r:id="rId19"/>
     <p:sldId id="269" r:id="rId20"/>
+    <p:sldId id="275" r:id="rId21"/>
   </p:sldIdLst>
   <p:sldSz cx="12192000" cy="6858000"/>
   <p:notesSz cx="6858000" cy="9144000"/>
@@ -852,7 +853,7 @@
           <a:p>
             <a:fld id="{D55DCF82-4ADB-5448-AFC7-04382D3B05DA}" type="datetimeFigureOut">
               <a:rPr kumimoji="1" lang="zh-TW" altLang="en-US" smtClean="0"/>
-              <a:t>2019/6/28</a:t>
+              <a:t>2019/6/29</a:t>
             </a:fld>
             <a:endParaRPr kumimoji="1" lang="zh-TW" altLang="en-US"/>
           </a:p>
@@ -1103,7 +1104,7 @@
           <a:p>
             <a:fld id="{D55DCF82-4ADB-5448-AFC7-04382D3B05DA}" type="datetimeFigureOut">
               <a:rPr kumimoji="1" lang="zh-TW" altLang="en-US" smtClean="0"/>
-              <a:t>2019/6/28</a:t>
+              <a:t>2019/6/29</a:t>
             </a:fld>
             <a:endParaRPr kumimoji="1" lang="zh-TW" altLang="en-US"/>
           </a:p>
@@ -1417,7 +1418,7 @@
           <a:p>
             <a:fld id="{D55DCF82-4ADB-5448-AFC7-04382D3B05DA}" type="datetimeFigureOut">
               <a:rPr kumimoji="1" lang="zh-TW" altLang="en-US" smtClean="0"/>
-              <a:t>2019/6/28</a:t>
+              <a:t>2019/6/29</a:t>
             </a:fld>
             <a:endParaRPr kumimoji="1" lang="zh-TW" altLang="en-US"/>
           </a:p>
@@ -1758,7 +1759,7 @@
           <a:p>
             <a:fld id="{D55DCF82-4ADB-5448-AFC7-04382D3B05DA}" type="datetimeFigureOut">
               <a:rPr kumimoji="1" lang="zh-TW" altLang="en-US" smtClean="0"/>
-              <a:t>2019/6/28</a:t>
+              <a:t>2019/6/29</a:t>
             </a:fld>
             <a:endParaRPr kumimoji="1" lang="zh-TW" altLang="en-US"/>
           </a:p>
@@ -2072,7 +2073,7 @@
           <a:p>
             <a:fld id="{D55DCF82-4ADB-5448-AFC7-04382D3B05DA}" type="datetimeFigureOut">
               <a:rPr kumimoji="1" lang="zh-TW" altLang="en-US" smtClean="0"/>
-              <a:t>2019/6/28</a:t>
+              <a:t>2019/6/29</a:t>
             </a:fld>
             <a:endParaRPr kumimoji="1" lang="zh-TW" altLang="en-US"/>
           </a:p>
@@ -2465,7 +2466,7 @@
           <a:p>
             <a:fld id="{D55DCF82-4ADB-5448-AFC7-04382D3B05DA}" type="datetimeFigureOut">
               <a:rPr kumimoji="1" lang="zh-TW" altLang="en-US" smtClean="0"/>
-              <a:t>2019/6/28</a:t>
+              <a:t>2019/6/29</a:t>
             </a:fld>
             <a:endParaRPr kumimoji="1" lang="zh-TW" altLang="en-US"/>
           </a:p>
@@ -2635,7 +2636,7 @@
           <a:p>
             <a:fld id="{D55DCF82-4ADB-5448-AFC7-04382D3B05DA}" type="datetimeFigureOut">
               <a:rPr kumimoji="1" lang="zh-TW" altLang="en-US" smtClean="0"/>
-              <a:t>2019/6/28</a:t>
+              <a:t>2019/6/29</a:t>
             </a:fld>
             <a:endParaRPr kumimoji="1" lang="zh-TW" altLang="en-US"/>
           </a:p>
@@ -2815,7 +2816,7 @@
           <a:p>
             <a:fld id="{D55DCF82-4ADB-5448-AFC7-04382D3B05DA}" type="datetimeFigureOut">
               <a:rPr kumimoji="1" lang="zh-TW" altLang="en-US" smtClean="0"/>
-              <a:t>2019/6/28</a:t>
+              <a:t>2019/6/29</a:t>
             </a:fld>
             <a:endParaRPr kumimoji="1" lang="zh-TW" altLang="en-US"/>
           </a:p>
@@ -2991,7 +2992,7 @@
           <a:p>
             <a:fld id="{D55DCF82-4ADB-5448-AFC7-04382D3B05DA}" type="datetimeFigureOut">
               <a:rPr kumimoji="1" lang="zh-TW" altLang="en-US" smtClean="0"/>
-              <a:t>2019/6/28</a:t>
+              <a:t>2019/6/29</a:t>
             </a:fld>
             <a:endParaRPr kumimoji="1" lang="zh-TW" altLang="en-US"/>
           </a:p>
@@ -3238,7 +3239,7 @@
           <a:p>
             <a:fld id="{D55DCF82-4ADB-5448-AFC7-04382D3B05DA}" type="datetimeFigureOut">
               <a:rPr kumimoji="1" lang="zh-TW" altLang="en-US" smtClean="0"/>
-              <a:t>2019/6/28</a:t>
+              <a:t>2019/6/29</a:t>
             </a:fld>
             <a:endParaRPr kumimoji="1" lang="zh-TW" altLang="en-US"/>
           </a:p>
@@ -3470,7 +3471,7 @@
           <a:p>
             <a:fld id="{D55DCF82-4ADB-5448-AFC7-04382D3B05DA}" type="datetimeFigureOut">
               <a:rPr kumimoji="1" lang="zh-TW" altLang="en-US" smtClean="0"/>
-              <a:t>2019/6/28</a:t>
+              <a:t>2019/6/29</a:t>
             </a:fld>
             <a:endParaRPr kumimoji="1" lang="zh-TW" altLang="en-US"/>
           </a:p>
@@ -3844,7 +3845,7 @@
           <a:p>
             <a:fld id="{D55DCF82-4ADB-5448-AFC7-04382D3B05DA}" type="datetimeFigureOut">
               <a:rPr kumimoji="1" lang="zh-TW" altLang="en-US" smtClean="0"/>
-              <a:t>2019/6/28</a:t>
+              <a:t>2019/6/29</a:t>
             </a:fld>
             <a:endParaRPr kumimoji="1" lang="zh-TW" altLang="en-US"/>
           </a:p>
@@ -3967,7 +3968,7 @@
           <a:p>
             <a:fld id="{D55DCF82-4ADB-5448-AFC7-04382D3B05DA}" type="datetimeFigureOut">
               <a:rPr kumimoji="1" lang="zh-TW" altLang="en-US" smtClean="0"/>
-              <a:t>2019/6/28</a:t>
+              <a:t>2019/6/29</a:t>
             </a:fld>
             <a:endParaRPr kumimoji="1" lang="zh-TW" altLang="en-US"/>
           </a:p>
@@ -4062,7 +4063,7 @@
           <a:p>
             <a:fld id="{D55DCF82-4ADB-5448-AFC7-04382D3B05DA}" type="datetimeFigureOut">
               <a:rPr kumimoji="1" lang="zh-TW" altLang="en-US" smtClean="0"/>
-              <a:t>2019/6/28</a:t>
+              <a:t>2019/6/29</a:t>
             </a:fld>
             <a:endParaRPr kumimoji="1" lang="zh-TW" altLang="en-US"/>
           </a:p>
@@ -4317,7 +4318,7 @@
           <a:p>
             <a:fld id="{D55DCF82-4ADB-5448-AFC7-04382D3B05DA}" type="datetimeFigureOut">
               <a:rPr kumimoji="1" lang="zh-TW" altLang="en-US" smtClean="0"/>
-              <a:t>2019/6/28</a:t>
+              <a:t>2019/6/29</a:t>
             </a:fld>
             <a:endParaRPr kumimoji="1" lang="zh-TW" altLang="en-US"/>
           </a:p>
@@ -4580,7 +4581,7 @@
           <a:p>
             <a:fld id="{D55DCF82-4ADB-5448-AFC7-04382D3B05DA}" type="datetimeFigureOut">
               <a:rPr kumimoji="1" lang="zh-TW" altLang="en-US" smtClean="0"/>
-              <a:t>2019/6/28</a:t>
+              <a:t>2019/6/29</a:t>
             </a:fld>
             <a:endParaRPr kumimoji="1" lang="zh-TW" altLang="en-US"/>
           </a:p>
@@ -5323,7 +5324,7 @@
           <a:p>
             <a:fld id="{D55DCF82-4ADB-5448-AFC7-04382D3B05DA}" type="datetimeFigureOut">
               <a:rPr kumimoji="1" lang="zh-TW" altLang="en-US" smtClean="0"/>
-              <a:t>2019/6/28</a:t>
+              <a:t>2019/6/29</a:t>
             </a:fld>
             <a:endParaRPr kumimoji="1" lang="zh-TW" altLang="en-US"/>
           </a:p>
@@ -6323,7 +6324,7 @@
         </p:nvSpPr>
         <p:spPr>
           <a:xfrm>
-            <a:off x="900546" y="3317219"/>
+            <a:off x="900546" y="4030931"/>
             <a:ext cx="6878806" cy="2031325"/>
           </a:xfrm>
           <a:prstGeom prst="rect">
@@ -6556,7 +6557,7 @@
         </p:nvSpPr>
         <p:spPr>
           <a:xfrm>
-            <a:off x="900546" y="5874511"/>
+            <a:off x="900546" y="3300511"/>
             <a:ext cx="6878806" cy="369332"/>
           </a:xfrm>
           <a:prstGeom prst="rect">
@@ -6696,8 +6697,8 @@
         </p:nvSpPr>
         <p:spPr>
           <a:xfrm>
-            <a:off x="690900" y="1700877"/>
-            <a:ext cx="6135013" cy="1938992"/>
+            <a:off x="677334" y="2423366"/>
+            <a:ext cx="6135013" cy="3046988"/>
           </a:xfrm>
           <a:prstGeom prst="rect">
             <a:avLst/>
@@ -6732,8 +6733,15 @@
                 <a:ea typeface="Menlo" panose="020B0609030804020204" pitchFamily="49" charset="0"/>
                 <a:cs typeface="Menlo" panose="020B0609030804020204" pitchFamily="49" charset="0"/>
               </a:rPr>
-              <a:t> love Python |\n\r"</a:t>
-            </a:r>
+              <a:t> love Python |\n\r”</a:t>
+            </a:r>
+          </a:p>
+          <a:p>
+            <a:endParaRPr kumimoji="1" lang="en" altLang="zh-TW" sz="2400" dirty="0">
+              <a:latin typeface="Menlo" panose="020B0609030804020204" pitchFamily="49" charset="0"/>
+              <a:ea typeface="Menlo" panose="020B0609030804020204" pitchFamily="49" charset="0"/>
+              <a:cs typeface="Menlo" panose="020B0609030804020204" pitchFamily="49" charset="0"/>
+            </a:endParaRPr>
           </a:p>
           <a:p>
             <a:r>
@@ -6765,6 +6773,13 @@
             </a:r>
           </a:p>
           <a:p>
+            <a:endParaRPr kumimoji="1" lang="en" altLang="zh-TW" sz="2400" dirty="0">
+              <a:latin typeface="Menlo" panose="020B0609030804020204" pitchFamily="49" charset="0"/>
+              <a:ea typeface="Menlo" panose="020B0609030804020204" pitchFamily="49" charset="0"/>
+              <a:cs typeface="Menlo" panose="020B0609030804020204" pitchFamily="49" charset="0"/>
+            </a:endParaRPr>
+          </a:p>
+          <a:p>
             <a:r>
               <a:rPr kumimoji="1" lang="en" altLang="zh-TW" sz="2400" dirty="0">
                 <a:latin typeface="Menlo" panose="020B0609030804020204" pitchFamily="49" charset="0"/>
@@ -6792,6 +6807,8 @@
               </a:rPr>
               <a:t>strip()</a:t>
             </a:r>
+          </a:p>
+          <a:p>
             <a:endParaRPr kumimoji="1" lang="en-US" altLang="zh-TW" sz="2400" dirty="0">
               <a:latin typeface="Menlo" panose="020B0609030804020204" pitchFamily="49" charset="0"/>
               <a:cs typeface="Menlo" panose="020B0609030804020204" pitchFamily="49" charset="0"/>
@@ -6860,7 +6877,7 @@
         </p:blipFill>
         <p:spPr>
           <a:xfrm>
-            <a:off x="2652035" y="3605009"/>
+            <a:off x="6950369" y="2087755"/>
             <a:ext cx="4647265" cy="3104228"/>
           </a:xfrm>
           <a:prstGeom prst="rect">
@@ -7404,18 +7421,159 @@
             <p:ph idx="1"/>
           </p:nvPr>
         </p:nvSpPr>
-        <p:spPr/>
-        <p:txBody>
-          <a:bodyPr/>
+        <p:spPr>
+          <a:xfrm>
+            <a:off x="677334" y="1388533"/>
+            <a:ext cx="8596668" cy="4652829"/>
+          </a:xfrm>
+        </p:spPr>
+        <p:txBody>
+          <a:bodyPr>
+            <a:normAutofit/>
+          </a:bodyPr>
           <a:lstStyle/>
           <a:p>
             <a:r>
-              <a:rPr lang="en" altLang="zh-TW" dirty="0">
+              <a:rPr lang="en" altLang="zh-TW" sz="2400" dirty="0">
                 <a:hlinkClick r:id="rId2"/>
               </a:rPr>
               <a:t>https://leetcode.com/problems/goat-latin/</a:t>
             </a:r>
-            <a:endParaRPr kumimoji="1" lang="zh-TW" altLang="en-US" dirty="0"/>
+            <a:endParaRPr lang="en" altLang="zh-TW" sz="2400" dirty="0"/>
+          </a:p>
+          <a:p>
+            <a:r>
+              <a:rPr lang="en" altLang="zh-TW" sz="2400" b="1" dirty="0"/>
+              <a:t>Example 1:</a:t>
+            </a:r>
+            <a:endParaRPr lang="en" altLang="zh-TW" sz="2400" dirty="0"/>
+          </a:p>
+          <a:p>
+            <a:pPr lvl="1"/>
+            <a:r>
+              <a:rPr lang="en" altLang="zh-TW" sz="2000" b="1" dirty="0"/>
+              <a:t>Input: </a:t>
+            </a:r>
+            <a:r>
+              <a:rPr lang="en" altLang="zh-TW" sz="2000" dirty="0"/>
+              <a:t>"I speak Goat Latin" </a:t>
+            </a:r>
+          </a:p>
+          <a:p>
+            <a:pPr lvl="1"/>
+            <a:r>
+              <a:rPr lang="en" altLang="zh-TW" sz="2000" b="1" dirty="0"/>
+              <a:t>Output: </a:t>
+            </a:r>
+            <a:r>
+              <a:rPr lang="en" altLang="zh-TW" sz="2000" dirty="0"/>
+              <a:t>"</a:t>
+            </a:r>
+            <a:r>
+              <a:rPr lang="en" altLang="zh-TW" sz="2000" dirty="0" err="1"/>
+              <a:t>I</a:t>
+            </a:r>
+            <a:r>
+              <a:rPr lang="en" altLang="zh-TW" sz="2000" dirty="0" err="1">
+                <a:solidFill>
+                  <a:srgbClr val="FF0000"/>
+                </a:solidFill>
+              </a:rPr>
+              <a:t>ma</a:t>
+            </a:r>
+            <a:r>
+              <a:rPr lang="en" altLang="zh-TW" sz="2000" dirty="0" err="1"/>
+              <a:t>a</a:t>
+            </a:r>
+            <a:r>
+              <a:rPr lang="en" altLang="zh-TW" sz="2000" dirty="0"/>
+              <a:t> </a:t>
+            </a:r>
+            <a:r>
+              <a:rPr lang="en" altLang="zh-TW" sz="2000" dirty="0" err="1"/>
+              <a:t>peak</a:t>
+            </a:r>
+            <a:r>
+              <a:rPr lang="en" altLang="zh-TW" sz="2000" dirty="0" err="1">
+                <a:solidFill>
+                  <a:schemeClr val="accent2"/>
+                </a:solidFill>
+              </a:rPr>
+              <a:t>s</a:t>
+            </a:r>
+            <a:r>
+              <a:rPr lang="en" altLang="zh-TW" sz="2000" dirty="0" err="1">
+                <a:solidFill>
+                  <a:srgbClr val="FF0000"/>
+                </a:solidFill>
+              </a:rPr>
+              <a:t>ma</a:t>
+            </a:r>
+            <a:r>
+              <a:rPr lang="en" altLang="zh-TW" sz="2000" dirty="0" err="1"/>
+              <a:t>aa</a:t>
+            </a:r>
+            <a:r>
+              <a:rPr lang="en" altLang="zh-TW" sz="2000" dirty="0"/>
+              <a:t> </a:t>
+            </a:r>
+            <a:r>
+              <a:rPr lang="en" altLang="zh-TW" sz="2000" dirty="0" err="1"/>
+              <a:t>oat</a:t>
+            </a:r>
+            <a:r>
+              <a:rPr lang="en" altLang="zh-TW" sz="2000" dirty="0" err="1">
+                <a:solidFill>
+                  <a:schemeClr val="accent2"/>
+                </a:solidFill>
+              </a:rPr>
+              <a:t>G</a:t>
+            </a:r>
+            <a:r>
+              <a:rPr lang="en" altLang="zh-TW" sz="2000" dirty="0" err="1">
+                <a:solidFill>
+                  <a:srgbClr val="FF0000"/>
+                </a:solidFill>
+              </a:rPr>
+              <a:t>ma</a:t>
+            </a:r>
+            <a:r>
+              <a:rPr lang="en" altLang="zh-TW" sz="2000" dirty="0" err="1"/>
+              <a:t>aaa</a:t>
+            </a:r>
+            <a:r>
+              <a:rPr lang="en" altLang="zh-TW" sz="2000" dirty="0"/>
+              <a:t> </a:t>
+            </a:r>
+            <a:r>
+              <a:rPr lang="en" altLang="zh-TW" sz="2000" dirty="0" err="1"/>
+              <a:t>atin</a:t>
+            </a:r>
+            <a:r>
+              <a:rPr lang="en" altLang="zh-TW" sz="2000" dirty="0" err="1">
+                <a:solidFill>
+                  <a:schemeClr val="accent2"/>
+                </a:solidFill>
+              </a:rPr>
+              <a:t>L</a:t>
+            </a:r>
+            <a:r>
+              <a:rPr lang="en" altLang="zh-TW" sz="2000" dirty="0" err="1">
+                <a:solidFill>
+                  <a:srgbClr val="FF0000"/>
+                </a:solidFill>
+              </a:rPr>
+              <a:t>ma</a:t>
+            </a:r>
+            <a:r>
+              <a:rPr lang="en" altLang="zh-TW" sz="2000" dirty="0" err="1"/>
+              <a:t>aaaa</a:t>
+            </a:r>
+            <a:r>
+              <a:rPr lang="en" altLang="zh-TW" sz="2000" dirty="0"/>
+              <a:t>"</a:t>
+            </a:r>
+            <a:endParaRPr kumimoji="1" lang="zh-TW" altLang="en-US" sz="2000" dirty="0"/>
           </a:p>
         </p:txBody>
       </p:sp>
@@ -7433,7 +7591,7 @@
         </p:nvSpPr>
         <p:spPr>
           <a:xfrm>
-            <a:off x="1117600" y="3213100"/>
+            <a:off x="1196622" y="3456039"/>
             <a:ext cx="7340471" cy="2585323"/>
           </a:xfrm>
           <a:prstGeom prst="rect">
@@ -8161,8 +8319,8 @@
         </p:nvSpPr>
         <p:spPr>
           <a:xfrm>
-            <a:off x="677334" y="1718148"/>
-            <a:ext cx="8924238" cy="2308324"/>
+            <a:off x="677334" y="1394696"/>
+            <a:ext cx="7157729" cy="2031325"/>
           </a:xfrm>
           <a:prstGeom prst="rect">
             <a:avLst/>
@@ -8176,15 +8334,15 @@
           <a:lstStyle/>
           <a:p>
             <a:r>
-              <a:rPr kumimoji="1" lang="en" altLang="zh-TW" sz="2400" dirty="0" err="1">
-                <a:latin typeface="Menlo" panose="020B0609030804020204" pitchFamily="49" charset="0"/>
-                <a:ea typeface="Menlo" panose="020B0609030804020204" pitchFamily="49" charset="0"/>
-                <a:cs typeface="Menlo" panose="020B0609030804020204" pitchFamily="49" charset="0"/>
-              </a:rPr>
-              <a:t>nums</a:t>
-            </a:r>
-            <a:r>
-              <a:rPr kumimoji="1" lang="en" altLang="zh-TW" sz="2400" dirty="0">
+              <a:rPr kumimoji="1" lang="en" altLang="zh-TW" dirty="0" err="1">
+                <a:latin typeface="Menlo" panose="020B0609030804020204" pitchFamily="49" charset="0"/>
+                <a:ea typeface="Menlo" panose="020B0609030804020204" pitchFamily="49" charset="0"/>
+                <a:cs typeface="Menlo" panose="020B0609030804020204" pitchFamily="49" charset="0"/>
+              </a:rPr>
+              <a:t>nums_int</a:t>
+            </a:r>
+            <a:r>
+              <a:rPr kumimoji="1" lang="en" altLang="zh-TW" dirty="0">
                 <a:latin typeface="Menlo" panose="020B0609030804020204" pitchFamily="49" charset="0"/>
                 <a:ea typeface="Menlo" panose="020B0609030804020204" pitchFamily="49" charset="0"/>
                 <a:cs typeface="Menlo" panose="020B0609030804020204" pitchFamily="49" charset="0"/>
@@ -8192,7 +8350,7 @@
               <a:t> = list(</a:t>
             </a:r>
             <a:r>
-              <a:rPr kumimoji="1" lang="en" altLang="zh-TW" sz="2400" dirty="0">
+              <a:rPr kumimoji="1" lang="en" altLang="zh-TW" dirty="0">
                 <a:solidFill>
                   <a:srgbClr val="FF0000"/>
                 </a:solidFill>
@@ -8203,7 +8361,7 @@
               <a:t>map</a:t>
             </a:r>
             <a:r>
-              <a:rPr kumimoji="1" lang="en" altLang="zh-TW" sz="2400" dirty="0">
+              <a:rPr kumimoji="1" lang="en" altLang="zh-TW" dirty="0">
                 <a:latin typeface="Menlo" panose="020B0609030804020204" pitchFamily="49" charset="0"/>
                 <a:ea typeface="Menlo" panose="020B0609030804020204" pitchFamily="49" charset="0"/>
                 <a:cs typeface="Menlo" panose="020B0609030804020204" pitchFamily="49" charset="0"/>
@@ -8211,7 +8369,7 @@
               <a:t>(int, input().</a:t>
             </a:r>
             <a:r>
-              <a:rPr kumimoji="1" lang="en" altLang="zh-TW" sz="2400" dirty="0">
+              <a:rPr kumimoji="1" lang="en" altLang="zh-TW" dirty="0">
                 <a:solidFill>
                   <a:srgbClr val="FF0000"/>
                 </a:solidFill>
@@ -8222,7 +8380,7 @@
               <a:t>strip</a:t>
             </a:r>
             <a:r>
-              <a:rPr kumimoji="1" lang="en" altLang="zh-TW" sz="2400" dirty="0">
+              <a:rPr kumimoji="1" lang="en" altLang="zh-TW" dirty="0">
                 <a:latin typeface="Menlo" panose="020B0609030804020204" pitchFamily="49" charset="0"/>
                 <a:ea typeface="Menlo" panose="020B0609030804020204" pitchFamily="49" charset="0"/>
                 <a:cs typeface="Menlo" panose="020B0609030804020204" pitchFamily="49" charset="0"/>
@@ -8230,7 +8388,7 @@
               <a:t>().</a:t>
             </a:r>
             <a:r>
-              <a:rPr kumimoji="1" lang="en" altLang="zh-TW" sz="2400" dirty="0">
+              <a:rPr kumimoji="1" lang="en" altLang="zh-TW" dirty="0">
                 <a:solidFill>
                   <a:srgbClr val="FF0000"/>
                 </a:solidFill>
@@ -8241,7 +8399,7 @@
               <a:t>split</a:t>
             </a:r>
             <a:r>
-              <a:rPr kumimoji="1" lang="en" altLang="zh-TW" sz="2400" dirty="0">
+              <a:rPr kumimoji="1" lang="en" altLang="zh-TW" dirty="0">
                 <a:latin typeface="Menlo" panose="020B0609030804020204" pitchFamily="49" charset="0"/>
                 <a:ea typeface="Menlo" panose="020B0609030804020204" pitchFamily="49" charset="0"/>
                 <a:cs typeface="Menlo" panose="020B0609030804020204" pitchFamily="49" charset="0"/>
@@ -8250,7 +8408,7 @@
             </a:r>
           </a:p>
           <a:p>
-            <a:endParaRPr kumimoji="1" lang="en" altLang="zh-TW" sz="2400" dirty="0">
+            <a:endParaRPr kumimoji="1" lang="en" altLang="zh-TW" dirty="0">
               <a:latin typeface="Menlo" panose="020B0609030804020204" pitchFamily="49" charset="0"/>
               <a:ea typeface="Menlo" panose="020B0609030804020204" pitchFamily="49" charset="0"/>
               <a:cs typeface="Menlo" panose="020B0609030804020204" pitchFamily="49" charset="0"/>
@@ -8258,7 +8416,7 @@
           </a:p>
           <a:p>
             <a:r>
-              <a:rPr kumimoji="1" lang="en" altLang="zh-TW" sz="2400" dirty="0">
+              <a:rPr kumimoji="1" lang="en" altLang="zh-TW" dirty="0">
                 <a:latin typeface="Menlo" panose="020B0609030804020204" pitchFamily="49" charset="0"/>
                 <a:ea typeface="Menlo" panose="020B0609030804020204" pitchFamily="49" charset="0"/>
                 <a:cs typeface="Menlo" panose="020B0609030804020204" pitchFamily="49" charset="0"/>
@@ -8266,7 +8424,7 @@
               <a:t># === </a:t>
             </a:r>
             <a:r>
-              <a:rPr kumimoji="1" lang="zh-TW" altLang="en" sz="2400" dirty="0">
+              <a:rPr kumimoji="1" lang="zh-TW" altLang="en" dirty="0">
                 <a:latin typeface="Menlo" panose="020B0609030804020204" pitchFamily="49" charset="0"/>
                 <a:ea typeface="Menlo" panose="020B0609030804020204" pitchFamily="49" charset="0"/>
                 <a:cs typeface="Menlo" panose="020B0609030804020204" pitchFamily="49" charset="0"/>
@@ -8274,7 +8432,7 @@
               <a:t>說明</a:t>
             </a:r>
             <a:r>
-              <a:rPr kumimoji="1" lang="zh-TW" altLang="en-US" sz="2400" dirty="0">
+              <a:rPr kumimoji="1" lang="zh-TW" altLang="en-US" dirty="0">
                 <a:latin typeface="Menlo" panose="020B0609030804020204" pitchFamily="49" charset="0"/>
                 <a:ea typeface="Menlo" panose="020B0609030804020204" pitchFamily="49" charset="0"/>
                 <a:cs typeface="Menlo" panose="020B0609030804020204" pitchFamily="49" charset="0"/>
@@ -8282,7 +8440,7 @@
               <a:t> </a:t>
             </a:r>
             <a:r>
-              <a:rPr kumimoji="1" lang="en" altLang="zh-TW" sz="2400" dirty="0">
+              <a:rPr kumimoji="1" lang="en" altLang="zh-TW" dirty="0">
                 <a:latin typeface="Menlo" panose="020B0609030804020204" pitchFamily="49" charset="0"/>
                 <a:ea typeface="Menlo" panose="020B0609030804020204" pitchFamily="49" charset="0"/>
                 <a:cs typeface="Menlo" panose="020B0609030804020204" pitchFamily="49" charset="0"/>
@@ -8292,7 +8450,7 @@
           </a:p>
           <a:p>
             <a:r>
-              <a:rPr kumimoji="1" lang="en" altLang="zh-TW" sz="2400" dirty="0">
+              <a:rPr kumimoji="1" lang="en" altLang="zh-TW" dirty="0">
                 <a:latin typeface="Menlo" panose="020B0609030804020204" pitchFamily="49" charset="0"/>
                 <a:ea typeface="Menlo" panose="020B0609030804020204" pitchFamily="49" charset="0"/>
                 <a:cs typeface="Menlo" panose="020B0609030804020204" pitchFamily="49" charset="0"/>
@@ -8302,7 +8460,7 @@
           </a:p>
           <a:p>
             <a:r>
-              <a:rPr kumimoji="1" lang="en" altLang="zh-TW" sz="2400" dirty="0">
+              <a:rPr kumimoji="1" lang="en" altLang="zh-TW" dirty="0">
                 <a:latin typeface="Menlo" panose="020B0609030804020204" pitchFamily="49" charset="0"/>
                 <a:ea typeface="Menlo" panose="020B0609030804020204" pitchFamily="49" charset="0"/>
                 <a:cs typeface="Menlo" panose="020B0609030804020204" pitchFamily="49" charset="0"/>
@@ -8310,45 +8468,15 @@
               <a:t>Str = </a:t>
             </a:r>
             <a:r>
-              <a:rPr kumimoji="1" lang="en" altLang="zh-TW" sz="2400" dirty="0" err="1">
-                <a:latin typeface="Menlo" panose="020B0609030804020204" pitchFamily="49" charset="0"/>
-                <a:ea typeface="Menlo" panose="020B0609030804020204" pitchFamily="49" charset="0"/>
-                <a:cs typeface="Menlo" panose="020B0609030804020204" pitchFamily="49" charset="0"/>
-              </a:rPr>
-              <a:t>Input.</a:t>
-            </a:r>
-            <a:r>
-              <a:rPr kumimoji="1" lang="en" altLang="zh-TW" sz="2400" dirty="0" err="1">
-                <a:solidFill>
-                  <a:srgbClr val="FF0000"/>
-                </a:solidFill>
-                <a:latin typeface="Menlo" panose="020B0609030804020204" pitchFamily="49" charset="0"/>
-                <a:ea typeface="Menlo" panose="020B0609030804020204" pitchFamily="49" charset="0"/>
-                <a:cs typeface="Menlo" panose="020B0609030804020204" pitchFamily="49" charset="0"/>
-              </a:rPr>
-              <a:t>strip</a:t>
-            </a:r>
-            <a:r>
-              <a:rPr kumimoji="1" lang="en" altLang="zh-TW" sz="2400" dirty="0">
-                <a:latin typeface="Menlo" panose="020B0609030804020204" pitchFamily="49" charset="0"/>
-                <a:ea typeface="Menlo" panose="020B0609030804020204" pitchFamily="49" charset="0"/>
-                <a:cs typeface="Menlo" panose="020B0609030804020204" pitchFamily="49" charset="0"/>
-              </a:rPr>
-              <a:t>().</a:t>
-            </a:r>
-            <a:r>
-              <a:rPr kumimoji="1" lang="en" altLang="zh-TW" sz="2400" dirty="0">
-                <a:solidFill>
-                  <a:srgbClr val="FF0000"/>
-                </a:solidFill>
-                <a:latin typeface="Menlo" panose="020B0609030804020204" pitchFamily="49" charset="0"/>
-                <a:ea typeface="Menlo" panose="020B0609030804020204" pitchFamily="49" charset="0"/>
-                <a:cs typeface="Menlo" panose="020B0609030804020204" pitchFamily="49" charset="0"/>
-              </a:rPr>
-              <a:t>split</a:t>
-            </a:r>
-            <a:r>
-              <a:rPr kumimoji="1" lang="en" altLang="zh-TW" sz="2400" dirty="0">
+              <a:rPr kumimoji="1" lang="en" altLang="zh-TW" dirty="0" err="1">
+                <a:latin typeface="Menlo" panose="020B0609030804020204" pitchFamily="49" charset="0"/>
+                <a:ea typeface="Menlo" panose="020B0609030804020204" pitchFamily="49" charset="0"/>
+                <a:cs typeface="Menlo" panose="020B0609030804020204" pitchFamily="49" charset="0"/>
+              </a:rPr>
+              <a:t>Input.strip</a:t>
+            </a:r>
+            <a:r>
+              <a:rPr kumimoji="1" lang="en" altLang="zh-TW" dirty="0">
                 <a:latin typeface="Menlo" panose="020B0609030804020204" pitchFamily="49" charset="0"/>
                 <a:ea typeface="Menlo" panose="020B0609030804020204" pitchFamily="49" charset="0"/>
                 <a:cs typeface="Menlo" panose="020B0609030804020204" pitchFamily="49" charset="0"/>
@@ -8358,7 +8486,7 @@
           </a:p>
           <a:p>
             <a:r>
-              <a:rPr kumimoji="1" lang="en" altLang="zh-TW" sz="2400" dirty="0" err="1">
+              <a:rPr kumimoji="1" lang="en" altLang="zh-TW" dirty="0" err="1">
                 <a:latin typeface="Menlo" panose="020B0609030804020204" pitchFamily="49" charset="0"/>
                 <a:ea typeface="Menlo" panose="020B0609030804020204" pitchFamily="49" charset="0"/>
                 <a:cs typeface="Menlo" panose="020B0609030804020204" pitchFamily="49" charset="0"/>
@@ -8366,69 +8494,387 @@
               <a:t>nums</a:t>
             </a:r>
             <a:r>
-              <a:rPr kumimoji="1" lang="en" altLang="zh-TW" sz="2400" dirty="0">
-                <a:latin typeface="Menlo" panose="020B0609030804020204" pitchFamily="49" charset="0"/>
-                <a:ea typeface="Menlo" panose="020B0609030804020204" pitchFamily="49" charset="0"/>
-                <a:cs typeface="Menlo" panose="020B0609030804020204" pitchFamily="49" charset="0"/>
-              </a:rPr>
-              <a:t> = list(</a:t>
-            </a:r>
-            <a:r>
-              <a:rPr kumimoji="1" lang="en" altLang="zh-TW" sz="2400" dirty="0">
-                <a:solidFill>
-                  <a:srgbClr val="FF0000"/>
-                </a:solidFill>
-                <a:latin typeface="Menlo" panose="020B0609030804020204" pitchFamily="49" charset="0"/>
-                <a:ea typeface="Menlo" panose="020B0609030804020204" pitchFamily="49" charset="0"/>
-                <a:cs typeface="Menlo" panose="020B0609030804020204" pitchFamily="49" charset="0"/>
-              </a:rPr>
-              <a:t>map</a:t>
-            </a:r>
-            <a:r>
-              <a:rPr kumimoji="1" lang="en" altLang="zh-TW" sz="2400" dirty="0">
-                <a:latin typeface="Menlo" panose="020B0609030804020204" pitchFamily="49" charset="0"/>
-                <a:ea typeface="Menlo" panose="020B0609030804020204" pitchFamily="49" charset="0"/>
-                <a:cs typeface="Menlo" panose="020B0609030804020204" pitchFamily="49" charset="0"/>
-              </a:rPr>
-              <a:t>(int, Str))</a:t>
-            </a:r>
-            <a:endParaRPr kumimoji="1" lang="zh-TW" altLang="en-US" sz="2400" dirty="0">
+              <a:rPr kumimoji="1" lang="en" altLang="zh-TW" dirty="0">
+                <a:latin typeface="Menlo" panose="020B0609030804020204" pitchFamily="49" charset="0"/>
+                <a:ea typeface="Menlo" panose="020B0609030804020204" pitchFamily="49" charset="0"/>
+                <a:cs typeface="Menlo" panose="020B0609030804020204" pitchFamily="49" charset="0"/>
+              </a:rPr>
+              <a:t> = </a:t>
+            </a:r>
+            <a:r>
+              <a:rPr kumimoji="1" lang="en" altLang="zh-TW" dirty="0" err="1">
+                <a:latin typeface="Menlo" panose="020B0609030804020204" pitchFamily="49" charset="0"/>
+                <a:ea typeface="Menlo" panose="020B0609030804020204" pitchFamily="49" charset="0"/>
+                <a:cs typeface="Menlo" panose="020B0609030804020204" pitchFamily="49" charset="0"/>
+              </a:rPr>
+              <a:t>Str.split</a:t>
+            </a:r>
+            <a:r>
+              <a:rPr kumimoji="1" lang="en" altLang="zh-TW" dirty="0">
+                <a:latin typeface="Menlo" panose="020B0609030804020204" pitchFamily="49" charset="0"/>
+                <a:ea typeface="Menlo" panose="020B0609030804020204" pitchFamily="49" charset="0"/>
+                <a:cs typeface="Menlo" panose="020B0609030804020204" pitchFamily="49" charset="0"/>
+              </a:rPr>
+              <a:t>()</a:t>
+            </a:r>
+          </a:p>
+          <a:p>
+            <a:r>
+              <a:rPr kumimoji="1" lang="en" altLang="zh-TW" dirty="0" err="1">
+                <a:latin typeface="Menlo" panose="020B0609030804020204" pitchFamily="49" charset="0"/>
+                <a:ea typeface="Menlo" panose="020B0609030804020204" pitchFamily="49" charset="0"/>
+                <a:cs typeface="Menlo" panose="020B0609030804020204" pitchFamily="49" charset="0"/>
+              </a:rPr>
+              <a:t>nums_int</a:t>
+            </a:r>
+            <a:r>
+              <a:rPr kumimoji="1" lang="en" altLang="zh-TW" dirty="0">
+                <a:latin typeface="Menlo" panose="020B0609030804020204" pitchFamily="49" charset="0"/>
+                <a:ea typeface="Menlo" panose="020B0609030804020204" pitchFamily="49" charset="0"/>
+                <a:cs typeface="Menlo" panose="020B0609030804020204" pitchFamily="49" charset="0"/>
+              </a:rPr>
+              <a:t> = list(map(int, </a:t>
+            </a:r>
+            <a:r>
+              <a:rPr kumimoji="1" lang="en" altLang="zh-TW" dirty="0" err="1">
+                <a:latin typeface="Menlo" panose="020B0609030804020204" pitchFamily="49" charset="0"/>
+                <a:ea typeface="Menlo" panose="020B0609030804020204" pitchFamily="49" charset="0"/>
+                <a:cs typeface="Menlo" panose="020B0609030804020204" pitchFamily="49" charset="0"/>
+              </a:rPr>
+              <a:t>nums</a:t>
+            </a:r>
+            <a:r>
+              <a:rPr kumimoji="1" lang="en" altLang="zh-TW" dirty="0">
+                <a:latin typeface="Menlo" panose="020B0609030804020204" pitchFamily="49" charset="0"/>
+                <a:ea typeface="Menlo" panose="020B0609030804020204" pitchFamily="49" charset="0"/>
+                <a:cs typeface="Menlo" panose="020B0609030804020204" pitchFamily="49" charset="0"/>
+              </a:rPr>
+              <a:t>))</a:t>
+            </a:r>
+            <a:endParaRPr kumimoji="1" lang="zh-TW" altLang="en-US" dirty="0">
               <a:latin typeface="Menlo" panose="020B0609030804020204" pitchFamily="49" charset="0"/>
               <a:cs typeface="Menlo" panose="020B0609030804020204" pitchFamily="49" charset="0"/>
             </a:endParaRPr>
           </a:p>
         </p:txBody>
       </p:sp>
-      <p:pic>
-        <p:nvPicPr>
-          <p:cNvPr id="9" name="圖片 8">
+      <p:grpSp>
+        <p:nvGrpSpPr>
+          <p:cNvPr id="15" name="群組 14">
             <a:extLst>
               <a:ext uri="{FF2B5EF4-FFF2-40B4-BE49-F238E27FC236}">
-                <a16:creationId xmlns:a16="http://schemas.microsoft.com/office/drawing/2014/main" id="{6A7BC8B2-DDD5-2144-BB18-0635AB50BA9A}"/>
+                <a16:creationId xmlns:a16="http://schemas.microsoft.com/office/drawing/2014/main" id="{DF3E570B-616E-A943-90A9-7A43BD8CA1A3}"/>
               </a:ext>
             </a:extLst>
           </p:cNvPr>
-          <p:cNvPicPr>
-            <a:picLocks noChangeAspect="1"/>
-          </p:cNvPicPr>
+          <p:cNvGrpSpPr/>
           <p:nvPr/>
-        </p:nvPicPr>
-        <p:blipFill>
-          <a:blip r:embed="rId2"/>
-          <a:stretch>
-            <a:fillRect/>
-          </a:stretch>
-        </p:blipFill>
-        <p:spPr>
+        </p:nvGrpSpPr>
+        <p:grpSpPr>
           <a:xfrm>
-            <a:off x="1620353" y="4410213"/>
-            <a:ext cx="5651500" cy="2222500"/>
+            <a:off x="538518" y="1270000"/>
+            <a:ext cx="11201771" cy="5506969"/>
+            <a:chOff x="538518" y="1270000"/>
+            <a:chExt cx="11201771" cy="5506969"/>
           </a:xfrm>
-          <a:prstGeom prst="rect">
-            <a:avLst/>
-          </a:prstGeom>
-        </p:spPr>
-      </p:pic>
+        </p:grpSpPr>
+        <p:pic>
+          <p:nvPicPr>
+            <p:cNvPr id="6" name="圖片 5">
+              <a:extLst>
+                <a:ext uri="{FF2B5EF4-FFF2-40B4-BE49-F238E27FC236}">
+                  <a16:creationId xmlns:a16="http://schemas.microsoft.com/office/drawing/2014/main" id="{CDC0DE45-7246-A143-912A-E10663C402E5}"/>
+                </a:ext>
+              </a:extLst>
+            </p:cNvPr>
+            <p:cNvPicPr>
+              <a:picLocks noChangeAspect="1"/>
+            </p:cNvPicPr>
+            <p:nvPr/>
+          </p:nvPicPr>
+          <p:blipFill>
+            <a:blip r:embed="rId2"/>
+            <a:stretch>
+              <a:fillRect/>
+            </a:stretch>
+          </p:blipFill>
+          <p:spPr>
+            <a:xfrm>
+              <a:off x="8306718" y="1479550"/>
+              <a:ext cx="2552700" cy="901700"/>
+            </a:xfrm>
+            <a:prstGeom prst="rect">
+              <a:avLst/>
+            </a:prstGeom>
+          </p:spPr>
+        </p:pic>
+        <p:pic>
+          <p:nvPicPr>
+            <p:cNvPr id="7" name="圖片 6">
+              <a:extLst>
+                <a:ext uri="{FF2B5EF4-FFF2-40B4-BE49-F238E27FC236}">
+                  <a16:creationId xmlns:a16="http://schemas.microsoft.com/office/drawing/2014/main" id="{AE237CC3-B09A-A347-B6B5-E00F9BFFBF72}"/>
+                </a:ext>
+              </a:extLst>
+            </p:cNvPr>
+            <p:cNvPicPr>
+              <a:picLocks noChangeAspect="1"/>
+            </p:cNvPicPr>
+            <p:nvPr/>
+          </p:nvPicPr>
+          <p:blipFill>
+            <a:blip r:embed="rId3"/>
+            <a:stretch>
+              <a:fillRect/>
+            </a:stretch>
+          </p:blipFill>
+          <p:spPr>
+            <a:xfrm>
+              <a:off x="8304929" y="2590800"/>
+              <a:ext cx="2514600" cy="1231900"/>
+            </a:xfrm>
+            <a:prstGeom prst="rect">
+              <a:avLst/>
+            </a:prstGeom>
+          </p:spPr>
+        </p:pic>
+        <p:pic>
+          <p:nvPicPr>
+            <p:cNvPr id="8" name="圖片 7">
+              <a:extLst>
+                <a:ext uri="{FF2B5EF4-FFF2-40B4-BE49-F238E27FC236}">
+                  <a16:creationId xmlns:a16="http://schemas.microsoft.com/office/drawing/2014/main" id="{C79AF33C-BEC8-3A41-9CD6-03C07A1B2A92}"/>
+                </a:ext>
+              </a:extLst>
+            </p:cNvPr>
+            <p:cNvPicPr>
+              <a:picLocks noChangeAspect="1"/>
+            </p:cNvPicPr>
+            <p:nvPr/>
+          </p:nvPicPr>
+          <p:blipFill>
+            <a:blip r:embed="rId4"/>
+            <a:stretch>
+              <a:fillRect/>
+            </a:stretch>
+          </p:blipFill>
+          <p:spPr>
+            <a:xfrm>
+              <a:off x="677334" y="3533375"/>
+              <a:ext cx="6159500" cy="1549400"/>
+            </a:xfrm>
+            <a:prstGeom prst="rect">
+              <a:avLst/>
+            </a:prstGeom>
+          </p:spPr>
+        </p:pic>
+        <p:pic>
+          <p:nvPicPr>
+            <p:cNvPr id="10" name="圖片 9">
+              <a:extLst>
+                <a:ext uri="{FF2B5EF4-FFF2-40B4-BE49-F238E27FC236}">
+                  <a16:creationId xmlns:a16="http://schemas.microsoft.com/office/drawing/2014/main" id="{88F908E7-B74A-0047-9820-728F69494B44}"/>
+                </a:ext>
+              </a:extLst>
+            </p:cNvPr>
+            <p:cNvPicPr>
+              <a:picLocks noChangeAspect="1"/>
+            </p:cNvPicPr>
+            <p:nvPr/>
+          </p:nvPicPr>
+          <p:blipFill>
+            <a:blip r:embed="rId5"/>
+            <a:stretch>
+              <a:fillRect/>
+            </a:stretch>
+          </p:blipFill>
+          <p:spPr>
+            <a:xfrm>
+              <a:off x="5225189" y="4694169"/>
+              <a:ext cx="6515100" cy="2082800"/>
+            </a:xfrm>
+            <a:prstGeom prst="rect">
+              <a:avLst/>
+            </a:prstGeom>
+          </p:spPr>
+        </p:pic>
+        <p:sp>
+          <p:nvSpPr>
+            <p:cNvPr id="11" name="文字方塊 10">
+              <a:extLst>
+                <a:ext uri="{FF2B5EF4-FFF2-40B4-BE49-F238E27FC236}">
+                  <a16:creationId xmlns:a16="http://schemas.microsoft.com/office/drawing/2014/main" id="{0A53453F-5C1C-F545-A729-EAD6C214EB73}"/>
+                </a:ext>
+              </a:extLst>
+            </p:cNvPr>
+            <p:cNvSpPr txBox="1"/>
+            <p:nvPr/>
+          </p:nvSpPr>
+          <p:spPr>
+            <a:xfrm>
+              <a:off x="8209320" y="1270000"/>
+              <a:ext cx="508473" cy="400110"/>
+            </a:xfrm>
+            <a:prstGeom prst="rect">
+              <a:avLst/>
+            </a:prstGeom>
+            <a:noFill/>
+          </p:spPr>
+          <p:txBody>
+            <a:bodyPr wrap="none" rtlCol="0">
+              <a:spAutoFit/>
+            </a:bodyPr>
+            <a:lstStyle/>
+            <a:p>
+              <a:r>
+                <a:rPr kumimoji="1" lang="en-US" altLang="zh-TW" sz="2000" dirty="0">
+                  <a:solidFill>
+                    <a:srgbClr val="FF0000"/>
+                  </a:solidFill>
+                </a:rPr>
+                <a:t>(1)</a:t>
+              </a:r>
+              <a:endParaRPr kumimoji="1" lang="zh-TW" altLang="en-US" sz="2000" dirty="0">
+                <a:solidFill>
+                  <a:srgbClr val="FF0000"/>
+                </a:solidFill>
+              </a:endParaRPr>
+            </a:p>
+          </p:txBody>
+        </p:sp>
+        <p:sp>
+          <p:nvSpPr>
+            <p:cNvPr id="12" name="文字方塊 11">
+              <a:extLst>
+                <a:ext uri="{FF2B5EF4-FFF2-40B4-BE49-F238E27FC236}">
+                  <a16:creationId xmlns:a16="http://schemas.microsoft.com/office/drawing/2014/main" id="{0081083B-541F-A64D-9AFD-9F2291161E3C}"/>
+                </a:ext>
+              </a:extLst>
+            </p:cNvPr>
+            <p:cNvSpPr txBox="1"/>
+            <p:nvPr/>
+          </p:nvSpPr>
+          <p:spPr>
+            <a:xfrm>
+              <a:off x="8238629" y="2327281"/>
+              <a:ext cx="508473" cy="400110"/>
+            </a:xfrm>
+            <a:prstGeom prst="rect">
+              <a:avLst/>
+            </a:prstGeom>
+            <a:noFill/>
+          </p:spPr>
+          <p:txBody>
+            <a:bodyPr wrap="none" rtlCol="0">
+              <a:spAutoFit/>
+            </a:bodyPr>
+            <a:lstStyle/>
+            <a:p>
+              <a:r>
+                <a:rPr kumimoji="1" lang="en-US" altLang="zh-TW" sz="2000" dirty="0">
+                  <a:solidFill>
+                    <a:srgbClr val="FF0000"/>
+                  </a:solidFill>
+                </a:rPr>
+                <a:t>(2)</a:t>
+              </a:r>
+              <a:endParaRPr kumimoji="1" lang="zh-TW" altLang="en-US" sz="2000" dirty="0">
+                <a:solidFill>
+                  <a:srgbClr val="FF0000"/>
+                </a:solidFill>
+              </a:endParaRPr>
+            </a:p>
+          </p:txBody>
+        </p:sp>
+        <p:sp>
+          <p:nvSpPr>
+            <p:cNvPr id="13" name="文字方塊 12">
+              <a:extLst>
+                <a:ext uri="{FF2B5EF4-FFF2-40B4-BE49-F238E27FC236}">
+                  <a16:creationId xmlns:a16="http://schemas.microsoft.com/office/drawing/2014/main" id="{815C1111-B4CD-F34A-86E8-3ADA50554576}"/>
+                </a:ext>
+              </a:extLst>
+            </p:cNvPr>
+            <p:cNvSpPr txBox="1"/>
+            <p:nvPr/>
+          </p:nvSpPr>
+          <p:spPr>
+            <a:xfrm>
+              <a:off x="538518" y="3343756"/>
+              <a:ext cx="508473" cy="400110"/>
+            </a:xfrm>
+            <a:prstGeom prst="rect">
+              <a:avLst/>
+            </a:prstGeom>
+            <a:noFill/>
+          </p:spPr>
+          <p:txBody>
+            <a:bodyPr wrap="none" rtlCol="0">
+              <a:spAutoFit/>
+            </a:bodyPr>
+            <a:lstStyle/>
+            <a:p>
+              <a:r>
+                <a:rPr kumimoji="1" lang="en-US" altLang="zh-TW" sz="2000" dirty="0">
+                  <a:solidFill>
+                    <a:srgbClr val="FF0000"/>
+                  </a:solidFill>
+                </a:rPr>
+                <a:t>(3)</a:t>
+              </a:r>
+              <a:endParaRPr kumimoji="1" lang="zh-TW" altLang="en-US" sz="2000" dirty="0">
+                <a:solidFill>
+                  <a:srgbClr val="FF0000"/>
+                </a:solidFill>
+              </a:endParaRPr>
+            </a:p>
+          </p:txBody>
+        </p:sp>
+        <p:sp>
+          <p:nvSpPr>
+            <p:cNvPr id="14" name="文字方塊 13">
+              <a:extLst>
+                <a:ext uri="{FF2B5EF4-FFF2-40B4-BE49-F238E27FC236}">
+                  <a16:creationId xmlns:a16="http://schemas.microsoft.com/office/drawing/2014/main" id="{002397AA-A914-7A41-BB56-902394CCB7F2}"/>
+                </a:ext>
+              </a:extLst>
+            </p:cNvPr>
+            <p:cNvSpPr txBox="1"/>
+            <p:nvPr/>
+          </p:nvSpPr>
+          <p:spPr>
+            <a:xfrm>
+              <a:off x="5166963" y="4494114"/>
+              <a:ext cx="508473" cy="400110"/>
+            </a:xfrm>
+            <a:prstGeom prst="rect">
+              <a:avLst/>
+            </a:prstGeom>
+            <a:noFill/>
+          </p:spPr>
+          <p:txBody>
+            <a:bodyPr wrap="none" rtlCol="0">
+              <a:spAutoFit/>
+            </a:bodyPr>
+            <a:lstStyle/>
+            <a:p>
+              <a:r>
+                <a:rPr kumimoji="1" lang="en-US" altLang="zh-TW" sz="2000" dirty="0">
+                  <a:solidFill>
+                    <a:srgbClr val="FF0000"/>
+                  </a:solidFill>
+                </a:rPr>
+                <a:t>(4)</a:t>
+              </a:r>
+              <a:endParaRPr kumimoji="1" lang="zh-TW" altLang="en-US" sz="2000" dirty="0">
+                <a:solidFill>
+                  <a:srgbClr val="FF0000"/>
+                </a:solidFill>
+              </a:endParaRPr>
+            </a:p>
+          </p:txBody>
+        </p:sp>
+      </p:grpSp>
     </p:spTree>
     <p:extLst>
       <p:ext uri="{BB962C8B-B14F-4D97-AF65-F5344CB8AC3E}">
@@ -8599,6 +9045,21 @@
           </a:bodyPr>
           <a:lstStyle/>
           <a:p>
+            <a:endParaRPr lang="en" altLang="zh-TW" sz="2400" b="1" dirty="0"/>
+          </a:p>
+          <a:p>
+            <a:r>
+              <a:rPr lang="en" altLang="zh-TW" sz="2400" b="1" dirty="0"/>
+              <a:t>202. Happy Number</a:t>
+            </a:r>
+          </a:p>
+          <a:p>
+            <a:r>
+              <a:rPr lang="en" altLang="zh-TW" sz="2400" b="1" dirty="0"/>
+              <a:t>728. Self Dividing Numbers</a:t>
+            </a:r>
+          </a:p>
+          <a:p>
             <a:r>
               <a:rPr lang="en" altLang="zh-TW" sz="2400" b="1" dirty="0"/>
               <a:t>941. Valid Mountain Array</a:t>
@@ -8607,21 +9068,170 @@
           <a:p>
             <a:r>
               <a:rPr lang="en" altLang="zh-TW" sz="2400" b="1" dirty="0"/>
-              <a:t>202. Happy Number</a:t>
-            </a:r>
-          </a:p>
-          <a:p>
-            <a:r>
-              <a:rPr lang="en" altLang="zh-TW" sz="2400" b="1" dirty="0"/>
-              <a:t>728. Self Dividing Numbers</a:t>
-            </a:r>
-          </a:p>
-          <a:p>
-            <a:r>
-              <a:rPr lang="en" altLang="zh-TW" sz="2400" b="1" dirty="0"/>
               <a:t>1046. Last Stone Weight</a:t>
             </a:r>
             <a:endParaRPr kumimoji="1" lang="zh-TW" altLang="en-US" sz="2400" dirty="0"/>
+          </a:p>
+        </p:txBody>
+      </p:sp>
+      <p:sp>
+        <p:nvSpPr>
+          <p:cNvPr id="2" name="文字方塊 1">
+            <a:extLst>
+              <a:ext uri="{FF2B5EF4-FFF2-40B4-BE49-F238E27FC236}">
+                <a16:creationId xmlns:a16="http://schemas.microsoft.com/office/drawing/2014/main" id="{CB8AA471-632D-434B-A52D-93762B1F0C5B}"/>
+              </a:ext>
+            </a:extLst>
+          </p:cNvPr>
+          <p:cNvSpPr txBox="1"/>
+          <p:nvPr/>
+        </p:nvSpPr>
+        <p:spPr>
+          <a:xfrm>
+            <a:off x="6096000" y="893088"/>
+            <a:ext cx="3158942" cy="5355312"/>
+          </a:xfrm>
+          <a:prstGeom prst="rect">
+            <a:avLst/>
+          </a:prstGeom>
+          <a:solidFill>
+            <a:schemeClr val="bg1"/>
+          </a:solidFill>
+          <a:ln>
+            <a:solidFill>
+              <a:schemeClr val="accent1"/>
+            </a:solidFill>
+          </a:ln>
+        </p:spPr>
+        <p:txBody>
+          <a:bodyPr wrap="none" rtlCol="0">
+            <a:spAutoFit/>
+          </a:bodyPr>
+          <a:lstStyle/>
+          <a:p>
+            <a:r>
+              <a:rPr kumimoji="1" lang="en" altLang="zh-TW" dirty="0"/>
+              <a:t># 202. Happy Number</a:t>
+            </a:r>
+          </a:p>
+          <a:p>
+            <a:endParaRPr kumimoji="1" lang="en" altLang="zh-TW" dirty="0"/>
+          </a:p>
+          <a:p>
+            <a:r>
+              <a:rPr kumimoji="1" lang="en" altLang="zh-TW" dirty="0"/>
+              <a:t>num = 34</a:t>
+            </a:r>
+          </a:p>
+          <a:p>
+            <a:endParaRPr kumimoji="1" lang="en" altLang="zh-TW" dirty="0"/>
+          </a:p>
+          <a:p>
+            <a:r>
+              <a:rPr kumimoji="1" lang="en" altLang="zh-TW" dirty="0"/>
+              <a:t>memory = [num]</a:t>
+            </a:r>
+          </a:p>
+          <a:p>
+            <a:r>
+              <a:rPr kumimoji="1" lang="en" altLang="zh-TW" dirty="0"/>
+              <a:t>while num != 1:</a:t>
+            </a:r>
+          </a:p>
+          <a:p>
+            <a:r>
+              <a:rPr kumimoji="1" lang="en" altLang="zh-TW" dirty="0"/>
+              <a:t>    check = 0</a:t>
+            </a:r>
+          </a:p>
+          <a:p>
+            <a:r>
+              <a:rPr kumimoji="1" lang="en" altLang="zh-TW" dirty="0"/>
+              <a:t>    for n in str(num):</a:t>
+            </a:r>
+          </a:p>
+          <a:p>
+            <a:r>
+              <a:rPr kumimoji="1" lang="en" altLang="zh-TW" dirty="0"/>
+              <a:t>        check += int(n) ** 2</a:t>
+            </a:r>
+          </a:p>
+          <a:p>
+            <a:r>
+              <a:rPr kumimoji="1" lang="en" altLang="zh-TW" dirty="0"/>
+              <a:t>    </a:t>
+            </a:r>
+          </a:p>
+          <a:p>
+            <a:r>
+              <a:rPr kumimoji="1" lang="en" altLang="zh-TW" dirty="0"/>
+              <a:t>    if check == 1:</a:t>
+            </a:r>
+          </a:p>
+          <a:p>
+            <a:r>
+              <a:rPr kumimoji="1" lang="en" altLang="zh-TW" dirty="0"/>
+              <a:t>        print('True')</a:t>
+            </a:r>
+          </a:p>
+          <a:p>
+            <a:r>
+              <a:rPr kumimoji="1" lang="en" altLang="zh-TW" dirty="0"/>
+              <a:t>        break</a:t>
+            </a:r>
+          </a:p>
+          <a:p>
+            <a:r>
+              <a:rPr kumimoji="1" lang="en" altLang="zh-TW" dirty="0"/>
+              <a:t>    </a:t>
+            </a:r>
+            <a:r>
+              <a:rPr kumimoji="1" lang="en" altLang="zh-TW" dirty="0" err="1"/>
+              <a:t>elif</a:t>
+            </a:r>
+            <a:r>
+              <a:rPr kumimoji="1" lang="en" altLang="zh-TW" dirty="0"/>
+              <a:t> check in memory:</a:t>
+            </a:r>
+          </a:p>
+          <a:p>
+            <a:r>
+              <a:rPr kumimoji="1" lang="en" altLang="zh-TW" dirty="0"/>
+              <a:t>        print('False')</a:t>
+            </a:r>
+          </a:p>
+          <a:p>
+            <a:r>
+              <a:rPr kumimoji="1" lang="en" altLang="zh-TW" dirty="0"/>
+              <a:t>        break</a:t>
+            </a:r>
+          </a:p>
+          <a:p>
+            <a:r>
+              <a:rPr kumimoji="1" lang="en" altLang="zh-TW" dirty="0"/>
+              <a:t>    else:</a:t>
+            </a:r>
+          </a:p>
+          <a:p>
+            <a:r>
+              <a:rPr kumimoji="1" lang="en" altLang="zh-TW" dirty="0"/>
+              <a:t>        num = check</a:t>
+            </a:r>
+          </a:p>
+          <a:p>
+            <a:r>
+              <a:rPr kumimoji="1" lang="en" altLang="zh-TW" dirty="0"/>
+              <a:t>        </a:t>
+            </a:r>
+            <a:r>
+              <a:rPr kumimoji="1" lang="en" altLang="zh-TW" dirty="0" err="1"/>
+              <a:t>memory.append</a:t>
+            </a:r>
+            <a:r>
+              <a:rPr kumimoji="1" lang="en" altLang="zh-TW" dirty="0"/>
+              <a:t>(check)</a:t>
+            </a:r>
+            <a:endParaRPr kumimoji="1" lang="zh-TW" altLang="en-US" dirty="0"/>
           </a:p>
         </p:txBody>
       </p:sp>
@@ -8707,6 +9317,9 @@
           </a:bodyPr>
           <a:lstStyle/>
           <a:p>
+            <a:endParaRPr lang="en" altLang="zh-TW" sz="2400" b="1" dirty="0"/>
+          </a:p>
+          <a:p>
             <a:r>
               <a:rPr lang="en" altLang="zh-TW" sz="2400" b="1" dirty="0"/>
               <a:t>344. Reverse String </a:t>
@@ -8715,13 +9328,13 @@
           <a:p>
             <a:r>
               <a:rPr lang="en" altLang="zh-TW" sz="2400" b="1" dirty="0"/>
+              <a:t>383. Ransom Note</a:t>
+            </a:r>
+          </a:p>
+          <a:p>
+            <a:r>
+              <a:rPr lang="en" altLang="zh-TW" sz="2400" b="1" dirty="0"/>
               <a:t>771. Jewels and Stones</a:t>
-            </a:r>
-          </a:p>
-          <a:p>
-            <a:r>
-              <a:rPr lang="en" altLang="zh-TW" sz="2400" b="1" dirty="0"/>
-              <a:t>383. Ransom Note</a:t>
             </a:r>
           </a:p>
           <a:p>
@@ -8824,39 +9437,128 @@
           <a:lstStyle/>
           <a:p>
             <a:r>
-              <a:rPr kumimoji="1" lang="en-US" altLang="zh-TW" sz="2400" dirty="0"/>
+              <a:rPr kumimoji="1" lang="en-US" altLang="zh-TW" sz="2400" dirty="0">
+                <a:latin typeface="Menlo" panose="020B0609030804020204" pitchFamily="49" charset="0"/>
+                <a:ea typeface="Menlo" panose="020B0609030804020204" pitchFamily="49" charset="0"/>
+                <a:cs typeface="Menlo" panose="020B0609030804020204" pitchFamily="49" charset="0"/>
+              </a:rPr>
               <a:t>Create an empty string</a:t>
             </a:r>
           </a:p>
           <a:p>
             <a:pPr lvl="1"/>
             <a:r>
-              <a:rPr kumimoji="1" lang="en-US" altLang="zh-TW" sz="2000" dirty="0"/>
-              <a:t>Str_1 = str()</a:t>
+              <a:rPr kumimoji="1" lang="en-US" altLang="zh-TW" sz="2000" dirty="0">
+                <a:latin typeface="Menlo" panose="020B0609030804020204" pitchFamily="49" charset="0"/>
+                <a:ea typeface="Menlo" panose="020B0609030804020204" pitchFamily="49" charset="0"/>
+                <a:cs typeface="Menlo" panose="020B0609030804020204" pitchFamily="49" charset="0"/>
+              </a:rPr>
+              <a:t>Str_1 = </a:t>
+            </a:r>
+            <a:r>
+              <a:rPr kumimoji="1" lang="en-US" altLang="zh-TW" sz="2000" dirty="0">
+                <a:solidFill>
+                  <a:srgbClr val="FF0000"/>
+                </a:solidFill>
+                <a:latin typeface="Menlo" panose="020B0609030804020204" pitchFamily="49" charset="0"/>
+                <a:ea typeface="Menlo" panose="020B0609030804020204" pitchFamily="49" charset="0"/>
+                <a:cs typeface="Menlo" panose="020B0609030804020204" pitchFamily="49" charset="0"/>
+              </a:rPr>
+              <a:t>str()</a:t>
             </a:r>
           </a:p>
           <a:p>
             <a:pPr lvl="1"/>
             <a:r>
-              <a:rPr kumimoji="1" lang="en-US" altLang="zh-TW" sz="2000" dirty="0"/>
-              <a:t>Str_2 = “”</a:t>
+              <a:rPr kumimoji="1" lang="en-US" altLang="zh-TW" sz="2000" dirty="0">
+                <a:latin typeface="Menlo" panose="020B0609030804020204" pitchFamily="49" charset="0"/>
+                <a:ea typeface="Menlo" panose="020B0609030804020204" pitchFamily="49" charset="0"/>
+                <a:cs typeface="Menlo" panose="020B0609030804020204" pitchFamily="49" charset="0"/>
+              </a:rPr>
+              <a:t>Str_2 = </a:t>
+            </a:r>
+            <a:r>
+              <a:rPr kumimoji="1" lang="en-US" altLang="zh-TW" sz="2000" dirty="0">
+                <a:solidFill>
+                  <a:srgbClr val="FF0000"/>
+                </a:solidFill>
+                <a:latin typeface="Menlo" panose="020B0609030804020204" pitchFamily="49" charset="0"/>
+                <a:ea typeface="Menlo" panose="020B0609030804020204" pitchFamily="49" charset="0"/>
+                <a:cs typeface="Menlo" panose="020B0609030804020204" pitchFamily="49" charset="0"/>
+              </a:rPr>
+              <a:t>“”</a:t>
+            </a:r>
+            <a:r>
+              <a:rPr kumimoji="1" lang="en-US" altLang="zh-TW" sz="2000" dirty="0">
+                <a:latin typeface="Menlo" panose="020B0609030804020204" pitchFamily="49" charset="0"/>
+                <a:ea typeface="Menlo" panose="020B0609030804020204" pitchFamily="49" charset="0"/>
+                <a:cs typeface="Menlo" panose="020B0609030804020204" pitchFamily="49" charset="0"/>
+              </a:rPr>
+              <a:t> </a:t>
+            </a:r>
+            <a:r>
+              <a:rPr kumimoji="1" lang="zh-TW" altLang="en-US" sz="2000" dirty="0">
+                <a:latin typeface="Menlo" panose="020B0609030804020204" pitchFamily="49" charset="0"/>
+                <a:ea typeface="Menlo" panose="020B0609030804020204" pitchFamily="49" charset="0"/>
+                <a:cs typeface="Menlo" panose="020B0609030804020204" pitchFamily="49" charset="0"/>
+              </a:rPr>
+              <a:t>或</a:t>
+            </a:r>
+            <a:r>
+              <a:rPr kumimoji="1" lang="en-US" altLang="zh-TW" sz="2000" dirty="0">
+                <a:latin typeface="Menlo" panose="020B0609030804020204" pitchFamily="49" charset="0"/>
+                <a:ea typeface="Menlo" panose="020B0609030804020204" pitchFamily="49" charset="0"/>
+                <a:cs typeface="Menlo" panose="020B0609030804020204" pitchFamily="49" charset="0"/>
+              </a:rPr>
+              <a:t> ‘’</a:t>
             </a:r>
           </a:p>
           <a:p>
             <a:pPr lvl="1"/>
-            <a:endParaRPr kumimoji="1" lang="en-US" altLang="zh-TW" sz="2000" dirty="0"/>
-          </a:p>
-          <a:p>
-            <a:r>
-              <a:rPr kumimoji="1" lang="en-US" altLang="zh-TW" sz="2400" dirty="0"/>
+            <a:endParaRPr kumimoji="1" lang="en-US" altLang="zh-TW" sz="2000" dirty="0">
+              <a:latin typeface="Menlo" panose="020B0609030804020204" pitchFamily="49" charset="0"/>
+              <a:ea typeface="Menlo" panose="020B0609030804020204" pitchFamily="49" charset="0"/>
+              <a:cs typeface="Menlo" panose="020B0609030804020204" pitchFamily="49" charset="0"/>
+            </a:endParaRPr>
+          </a:p>
+          <a:p>
+            <a:r>
+              <a:rPr kumimoji="1" lang="en-US" altLang="zh-TW" sz="2400" dirty="0">
+                <a:latin typeface="Menlo" panose="020B0609030804020204" pitchFamily="49" charset="0"/>
+                <a:ea typeface="Menlo" panose="020B0609030804020204" pitchFamily="49" charset="0"/>
+                <a:cs typeface="Menlo" panose="020B0609030804020204" pitchFamily="49" charset="0"/>
+              </a:rPr>
               <a:t>String initialization</a:t>
             </a:r>
           </a:p>
           <a:p>
             <a:pPr lvl="1"/>
             <a:r>
-              <a:rPr kumimoji="1" lang="en-US" altLang="zh-TW" sz="2000" dirty="0"/>
-              <a:t>Str = “I love Python.”</a:t>
+              <a:rPr kumimoji="1" lang="en-US" altLang="zh-TW" sz="2000" dirty="0">
+                <a:latin typeface="Menlo" panose="020B0609030804020204" pitchFamily="49" charset="0"/>
+                <a:ea typeface="Menlo" panose="020B0609030804020204" pitchFamily="49" charset="0"/>
+                <a:cs typeface="Menlo" panose="020B0609030804020204" pitchFamily="49" charset="0"/>
+              </a:rPr>
+              <a:t>Str </a:t>
+            </a:r>
+            <a:r>
+              <a:rPr kumimoji="1" lang="en-US" altLang="zh-TW" sz="2000" dirty="0">
+                <a:solidFill>
+                  <a:srgbClr val="FF0000"/>
+                </a:solidFill>
+                <a:latin typeface="Menlo" panose="020B0609030804020204" pitchFamily="49" charset="0"/>
+                <a:ea typeface="Menlo" panose="020B0609030804020204" pitchFamily="49" charset="0"/>
+                <a:cs typeface="Menlo" panose="020B0609030804020204" pitchFamily="49" charset="0"/>
+              </a:rPr>
+              <a:t>=</a:t>
+            </a:r>
+            <a:r>
+              <a:rPr kumimoji="1" lang="en-US" altLang="zh-TW" sz="2000" dirty="0">
+                <a:latin typeface="Menlo" panose="020B0609030804020204" pitchFamily="49" charset="0"/>
+                <a:ea typeface="Menlo" panose="020B0609030804020204" pitchFamily="49" charset="0"/>
+                <a:cs typeface="Menlo" panose="020B0609030804020204" pitchFamily="49" charset="0"/>
+              </a:rPr>
+              <a:t> “I love Python.”</a:t>
             </a:r>
           </a:p>
         </p:txBody>
@@ -8883,45 +9585,72 @@
           <a:lstStyle/>
           <a:p>
             <a:r>
-              <a:rPr kumimoji="1" lang="en-US" altLang="zh-TW" sz="2400" dirty="0"/>
+              <a:rPr kumimoji="1" lang="en-US" altLang="zh-TW" sz="2400" dirty="0">
+                <a:latin typeface="Menlo" panose="020B0609030804020204" pitchFamily="49" charset="0"/>
+                <a:ea typeface="Menlo" panose="020B0609030804020204" pitchFamily="49" charset="0"/>
+                <a:cs typeface="Menlo" panose="020B0609030804020204" pitchFamily="49" charset="0"/>
+              </a:rPr>
               <a:t>Indexing &amp; Slicing</a:t>
             </a:r>
           </a:p>
           <a:p>
             <a:pPr lvl="1"/>
             <a:r>
-              <a:rPr kumimoji="1" lang="en-US" altLang="zh-TW" sz="2000" dirty="0"/>
+              <a:rPr kumimoji="1" lang="en-US" altLang="zh-TW" sz="2000" dirty="0">
+                <a:latin typeface="Menlo" panose="020B0609030804020204" pitchFamily="49" charset="0"/>
+                <a:ea typeface="Menlo" panose="020B0609030804020204" pitchFamily="49" charset="0"/>
+                <a:cs typeface="Menlo" panose="020B0609030804020204" pitchFamily="49" charset="0"/>
+              </a:rPr>
               <a:t>Str[0]</a:t>
             </a:r>
           </a:p>
           <a:p>
             <a:pPr lvl="1"/>
             <a:r>
-              <a:rPr kumimoji="1" lang="en-US" altLang="zh-TW" sz="2000" dirty="0"/>
+              <a:rPr kumimoji="1" lang="en-US" altLang="zh-TW" sz="2000" dirty="0">
+                <a:latin typeface="Menlo" panose="020B0609030804020204" pitchFamily="49" charset="0"/>
+                <a:ea typeface="Menlo" panose="020B0609030804020204" pitchFamily="49" charset="0"/>
+                <a:cs typeface="Menlo" panose="020B0609030804020204" pitchFamily="49" charset="0"/>
+              </a:rPr>
               <a:t>Str[4]</a:t>
             </a:r>
           </a:p>
           <a:p>
             <a:pPr lvl="1"/>
             <a:r>
-              <a:rPr kumimoji="1" lang="en-US" altLang="zh-TW" sz="2000" dirty="0"/>
+              <a:rPr kumimoji="1" lang="en-US" altLang="zh-TW" sz="2000" dirty="0">
+                <a:latin typeface="Menlo" panose="020B0609030804020204" pitchFamily="49" charset="0"/>
+                <a:ea typeface="Menlo" panose="020B0609030804020204" pitchFamily="49" charset="0"/>
+                <a:cs typeface="Menlo" panose="020B0609030804020204" pitchFamily="49" charset="0"/>
+              </a:rPr>
               <a:t>Str[0:4]</a:t>
             </a:r>
           </a:p>
           <a:p>
             <a:pPr lvl="1"/>
             <a:r>
-              <a:rPr kumimoji="1" lang="en-US" altLang="zh-TW" sz="2000" dirty="0"/>
-              <a:t>﻿Str[::2]</a:t>
+              <a:rPr kumimoji="1" lang="en-US" altLang="zh-TW" sz="2000" dirty="0">
+                <a:latin typeface="Menlo" panose="020B0609030804020204" pitchFamily="49" charset="0"/>
+                <a:ea typeface="Menlo" panose="020B0609030804020204" pitchFamily="49" charset="0"/>
+                <a:cs typeface="Menlo" panose="020B0609030804020204" pitchFamily="49" charset="0"/>
+              </a:rPr>
+              <a:t>Str[::2]</a:t>
             </a:r>
           </a:p>
           <a:p>
             <a:pPr lvl="1"/>
             <a:r>
-              <a:rPr kumimoji="1" lang="en-US" altLang="zh-TW" sz="2000" dirty="0"/>
-              <a:t>﻿Str[::-1]</a:t>
-            </a:r>
-            <a:endParaRPr kumimoji="1" lang="zh-TW" altLang="en-US" dirty="0"/>
+              <a:rPr kumimoji="1" lang="en-US" altLang="zh-TW" sz="2000" dirty="0">
+                <a:latin typeface="Menlo" panose="020B0609030804020204" pitchFamily="49" charset="0"/>
+                <a:ea typeface="Menlo" panose="020B0609030804020204" pitchFamily="49" charset="0"/>
+                <a:cs typeface="Menlo" panose="020B0609030804020204" pitchFamily="49" charset="0"/>
+              </a:rPr>
+              <a:t>Str[::-1]</a:t>
+            </a:r>
+            <a:endParaRPr kumimoji="1" lang="zh-TW" altLang="en-US" dirty="0">
+              <a:latin typeface="Menlo" panose="020B0609030804020204" pitchFamily="49" charset="0"/>
+              <a:cs typeface="Menlo" panose="020B0609030804020204" pitchFamily="49" charset="0"/>
+            </a:endParaRPr>
           </a:p>
         </p:txBody>
       </p:sp>
@@ -8929,6 +9658,540 @@
     <p:extLst>
       <p:ext uri="{BB962C8B-B14F-4D97-AF65-F5344CB8AC3E}">
         <p14:creationId xmlns:p14="http://schemas.microsoft.com/office/powerpoint/2010/main" val="1943547000"/>
+      </p:ext>
+    </p:extLst>
+  </p:cSld>
+  <p:clrMapOvr>
+    <a:masterClrMapping/>
+  </p:clrMapOvr>
+</p:sld>
+</file>
+
+<file path=ppt/slides/slide20.xml><?xml version="1.0" encoding="utf-8"?>
+<p:sld xmlns:a="http://schemas.openxmlformats.org/drawingml/2006/main" xmlns:r="http://schemas.openxmlformats.org/officeDocument/2006/relationships" xmlns:p="http://schemas.openxmlformats.org/presentationml/2006/main">
+  <p:cSld>
+    <p:spTree>
+      <p:nvGrpSpPr>
+        <p:cNvPr id="1" name=""/>
+        <p:cNvGrpSpPr/>
+        <p:nvPr/>
+      </p:nvGrpSpPr>
+      <p:grpSpPr>
+        <a:xfrm>
+          <a:off x="0" y="0"/>
+          <a:ext cx="0" cy="0"/>
+          <a:chOff x="0" y="0"/>
+          <a:chExt cx="0" cy="0"/>
+        </a:xfrm>
+      </p:grpSpPr>
+      <p:pic>
+        <p:nvPicPr>
+          <p:cNvPr id="4" name="圖片 3">
+            <a:extLst>
+              <a:ext uri="{FF2B5EF4-FFF2-40B4-BE49-F238E27FC236}">
+                <a16:creationId xmlns:a16="http://schemas.microsoft.com/office/drawing/2014/main" id="{C0373A20-ABC7-824F-BC81-930DC0A254CE}"/>
+              </a:ext>
+            </a:extLst>
+          </p:cNvPr>
+          <p:cNvPicPr>
+            <a:picLocks noChangeAspect="1"/>
+          </p:cNvPicPr>
+          <p:nvPr/>
+        </p:nvPicPr>
+        <p:blipFill>
+          <a:blip r:embed="rId2"/>
+          <a:stretch>
+            <a:fillRect/>
+          </a:stretch>
+        </p:blipFill>
+        <p:spPr>
+          <a:xfrm>
+            <a:off x="609600" y="71882"/>
+            <a:ext cx="6591300" cy="1587500"/>
+          </a:xfrm>
+          <a:prstGeom prst="rect">
+            <a:avLst/>
+          </a:prstGeom>
+        </p:spPr>
+      </p:pic>
+      <p:pic>
+        <p:nvPicPr>
+          <p:cNvPr id="5" name="圖片 4">
+            <a:extLst>
+              <a:ext uri="{FF2B5EF4-FFF2-40B4-BE49-F238E27FC236}">
+                <a16:creationId xmlns:a16="http://schemas.microsoft.com/office/drawing/2014/main" id="{456D2908-3AC6-0742-846C-478FA0BBA037}"/>
+              </a:ext>
+            </a:extLst>
+          </p:cNvPr>
+          <p:cNvPicPr>
+            <a:picLocks noChangeAspect="1"/>
+          </p:cNvPicPr>
+          <p:nvPr/>
+        </p:nvPicPr>
+        <p:blipFill>
+          <a:blip r:embed="rId3"/>
+          <a:stretch>
+            <a:fillRect/>
+          </a:stretch>
+        </p:blipFill>
+        <p:spPr>
+          <a:xfrm>
+            <a:off x="641350" y="1659382"/>
+            <a:ext cx="6527800" cy="1574800"/>
+          </a:xfrm>
+          <a:prstGeom prst="rect">
+            <a:avLst/>
+          </a:prstGeom>
+        </p:spPr>
+      </p:pic>
+      <p:pic>
+        <p:nvPicPr>
+          <p:cNvPr id="6" name="圖片 5">
+            <a:extLst>
+              <a:ext uri="{FF2B5EF4-FFF2-40B4-BE49-F238E27FC236}">
+                <a16:creationId xmlns:a16="http://schemas.microsoft.com/office/drawing/2014/main" id="{7306C9C0-6A46-7840-8A5A-4D31927107AF}"/>
+              </a:ext>
+            </a:extLst>
+          </p:cNvPr>
+          <p:cNvPicPr>
+            <a:picLocks noChangeAspect="1"/>
+          </p:cNvPicPr>
+          <p:nvPr/>
+        </p:nvPicPr>
+        <p:blipFill>
+          <a:blip r:embed="rId4"/>
+          <a:stretch>
+            <a:fillRect/>
+          </a:stretch>
+        </p:blipFill>
+        <p:spPr>
+          <a:xfrm>
+            <a:off x="673100" y="3234182"/>
+            <a:ext cx="6527800" cy="1536700"/>
+          </a:xfrm>
+          <a:prstGeom prst="rect">
+            <a:avLst/>
+          </a:prstGeom>
+        </p:spPr>
+      </p:pic>
+      <p:sp>
+        <p:nvSpPr>
+          <p:cNvPr id="7" name="文字方塊 6">
+            <a:extLst>
+              <a:ext uri="{FF2B5EF4-FFF2-40B4-BE49-F238E27FC236}">
+                <a16:creationId xmlns:a16="http://schemas.microsoft.com/office/drawing/2014/main" id="{C8D4347A-1E44-474C-B6BA-0DFA2617DF1C}"/>
+              </a:ext>
+            </a:extLst>
+          </p:cNvPr>
+          <p:cNvSpPr txBox="1"/>
+          <p:nvPr/>
+        </p:nvSpPr>
+        <p:spPr>
+          <a:xfrm>
+            <a:off x="7446433" y="445742"/>
+            <a:ext cx="4696178" cy="2800767"/>
+          </a:xfrm>
+          <a:prstGeom prst="rect">
+            <a:avLst/>
+          </a:prstGeom>
+          <a:solidFill>
+            <a:schemeClr val="bg1"/>
+          </a:solidFill>
+          <a:ln>
+            <a:solidFill>
+              <a:schemeClr val="accent1"/>
+            </a:solidFill>
+          </a:ln>
+        </p:spPr>
+        <p:txBody>
+          <a:bodyPr wrap="square" rtlCol="0">
+            <a:spAutoFit/>
+          </a:bodyPr>
+          <a:lstStyle/>
+          <a:p>
+            <a:r>
+              <a:rPr kumimoji="1" lang="en" altLang="zh-TW" sz="1600" dirty="0">
+                <a:latin typeface="Menlo" panose="020B0609030804020204" pitchFamily="49" charset="0"/>
+                <a:ea typeface="Menlo" panose="020B0609030804020204" pitchFamily="49" charset="0"/>
+                <a:cs typeface="Menlo" panose="020B0609030804020204" pitchFamily="49" charset="0"/>
+              </a:rPr>
+              <a:t>char = ['A', 'B', 'C', 'D', 'E', 'F']</a:t>
+            </a:r>
+          </a:p>
+          <a:p>
+            <a:endParaRPr kumimoji="1" lang="en" altLang="zh-TW" sz="1600" dirty="0">
+              <a:latin typeface="Menlo" panose="020B0609030804020204" pitchFamily="49" charset="0"/>
+              <a:ea typeface="Menlo" panose="020B0609030804020204" pitchFamily="49" charset="0"/>
+              <a:cs typeface="Menlo" panose="020B0609030804020204" pitchFamily="49" charset="0"/>
+            </a:endParaRPr>
+          </a:p>
+          <a:p>
+            <a:r>
+              <a:rPr kumimoji="1" lang="en" altLang="zh-TW" sz="1600" dirty="0">
+                <a:latin typeface="Menlo" panose="020B0609030804020204" pitchFamily="49" charset="0"/>
+                <a:ea typeface="Menlo" panose="020B0609030804020204" pitchFamily="49" charset="0"/>
+                <a:cs typeface="Menlo" panose="020B0609030804020204" pitchFamily="49" charset="0"/>
+              </a:rPr>
+              <a:t>left = 0</a:t>
+            </a:r>
+          </a:p>
+          <a:p>
+            <a:r>
+              <a:rPr kumimoji="1" lang="en" altLang="zh-TW" sz="1600" dirty="0">
+                <a:latin typeface="Menlo" panose="020B0609030804020204" pitchFamily="49" charset="0"/>
+                <a:ea typeface="Menlo" panose="020B0609030804020204" pitchFamily="49" charset="0"/>
+                <a:cs typeface="Menlo" panose="020B0609030804020204" pitchFamily="49" charset="0"/>
+              </a:rPr>
+              <a:t>right = </a:t>
+            </a:r>
+            <a:r>
+              <a:rPr kumimoji="1" lang="en" altLang="zh-TW" sz="1600" dirty="0" err="1">
+                <a:latin typeface="Menlo" panose="020B0609030804020204" pitchFamily="49" charset="0"/>
+                <a:ea typeface="Menlo" panose="020B0609030804020204" pitchFamily="49" charset="0"/>
+                <a:cs typeface="Menlo" panose="020B0609030804020204" pitchFamily="49" charset="0"/>
+              </a:rPr>
+              <a:t>len</a:t>
+            </a:r>
+            <a:r>
+              <a:rPr kumimoji="1" lang="en" altLang="zh-TW" sz="1600" dirty="0">
+                <a:latin typeface="Menlo" panose="020B0609030804020204" pitchFamily="49" charset="0"/>
+                <a:ea typeface="Menlo" panose="020B0609030804020204" pitchFamily="49" charset="0"/>
+                <a:cs typeface="Menlo" panose="020B0609030804020204" pitchFamily="49" charset="0"/>
+              </a:rPr>
+              <a:t>(char) - 1</a:t>
+            </a:r>
+          </a:p>
+          <a:p>
+            <a:endParaRPr kumimoji="1" lang="en" altLang="zh-TW" sz="1600" dirty="0">
+              <a:latin typeface="Menlo" panose="020B0609030804020204" pitchFamily="49" charset="0"/>
+              <a:ea typeface="Menlo" panose="020B0609030804020204" pitchFamily="49" charset="0"/>
+              <a:cs typeface="Menlo" panose="020B0609030804020204" pitchFamily="49" charset="0"/>
+            </a:endParaRPr>
+          </a:p>
+          <a:p>
+            <a:r>
+              <a:rPr kumimoji="1" lang="en" altLang="zh-TW" sz="1600" dirty="0">
+                <a:latin typeface="Menlo" panose="020B0609030804020204" pitchFamily="49" charset="0"/>
+                <a:ea typeface="Menlo" panose="020B0609030804020204" pitchFamily="49" charset="0"/>
+                <a:cs typeface="Menlo" panose="020B0609030804020204" pitchFamily="49" charset="0"/>
+              </a:rPr>
+              <a:t>while left &lt; right:</a:t>
+            </a:r>
+          </a:p>
+          <a:p>
+            <a:r>
+              <a:rPr kumimoji="1" lang="en" altLang="zh-TW" sz="1600" dirty="0">
+                <a:latin typeface="Menlo" panose="020B0609030804020204" pitchFamily="49" charset="0"/>
+                <a:ea typeface="Menlo" panose="020B0609030804020204" pitchFamily="49" charset="0"/>
+                <a:cs typeface="Menlo" panose="020B0609030804020204" pitchFamily="49" charset="0"/>
+              </a:rPr>
+              <a:t>    char[left], char[right] = char[right], char[left]</a:t>
+            </a:r>
+          </a:p>
+          <a:p>
+            <a:endParaRPr kumimoji="1" lang="en" altLang="zh-TW" sz="1600" dirty="0">
+              <a:latin typeface="Menlo" panose="020B0609030804020204" pitchFamily="49" charset="0"/>
+              <a:ea typeface="Menlo" panose="020B0609030804020204" pitchFamily="49" charset="0"/>
+              <a:cs typeface="Menlo" panose="020B0609030804020204" pitchFamily="49" charset="0"/>
+            </a:endParaRPr>
+          </a:p>
+          <a:p>
+            <a:r>
+              <a:rPr kumimoji="1" lang="en" altLang="zh-TW" sz="1600" dirty="0">
+                <a:latin typeface="Menlo" panose="020B0609030804020204" pitchFamily="49" charset="0"/>
+                <a:ea typeface="Menlo" panose="020B0609030804020204" pitchFamily="49" charset="0"/>
+                <a:cs typeface="Menlo" panose="020B0609030804020204" pitchFamily="49" charset="0"/>
+              </a:rPr>
+              <a:t>    left += 1</a:t>
+            </a:r>
+          </a:p>
+          <a:p>
+            <a:r>
+              <a:rPr kumimoji="1" lang="en" altLang="zh-TW" sz="1600" dirty="0">
+                <a:latin typeface="Menlo" panose="020B0609030804020204" pitchFamily="49" charset="0"/>
+                <a:ea typeface="Menlo" panose="020B0609030804020204" pitchFamily="49" charset="0"/>
+                <a:cs typeface="Menlo" panose="020B0609030804020204" pitchFamily="49" charset="0"/>
+              </a:rPr>
+              <a:t>    right -= 1</a:t>
+            </a:r>
+            <a:endParaRPr kumimoji="1" lang="zh-TW" altLang="en-US" sz="1600" dirty="0">
+              <a:latin typeface="Menlo" panose="020B0609030804020204" pitchFamily="49" charset="0"/>
+              <a:cs typeface="Menlo" panose="020B0609030804020204" pitchFamily="49" charset="0"/>
+            </a:endParaRPr>
+          </a:p>
+        </p:txBody>
+      </p:sp>
+      <p:pic>
+        <p:nvPicPr>
+          <p:cNvPr id="8" name="圖片 7">
+            <a:extLst>
+              <a:ext uri="{FF2B5EF4-FFF2-40B4-BE49-F238E27FC236}">
+                <a16:creationId xmlns:a16="http://schemas.microsoft.com/office/drawing/2014/main" id="{1672978C-37F3-D84F-8B93-95E202956077}"/>
+              </a:ext>
+            </a:extLst>
+          </p:cNvPr>
+          <p:cNvPicPr>
+            <a:picLocks noChangeAspect="1"/>
+          </p:cNvPicPr>
+          <p:nvPr/>
+        </p:nvPicPr>
+        <p:blipFill>
+          <a:blip r:embed="rId5"/>
+          <a:stretch>
+            <a:fillRect/>
+          </a:stretch>
+        </p:blipFill>
+        <p:spPr>
+          <a:xfrm>
+            <a:off x="673100" y="5185919"/>
+            <a:ext cx="7175500" cy="1574800"/>
+          </a:xfrm>
+          <a:prstGeom prst="rect">
+            <a:avLst/>
+          </a:prstGeom>
+        </p:spPr>
+      </p:pic>
+      <p:cxnSp>
+        <p:nvCxnSpPr>
+          <p:cNvPr id="10" name="直線接點 9">
+            <a:extLst>
+              <a:ext uri="{FF2B5EF4-FFF2-40B4-BE49-F238E27FC236}">
+                <a16:creationId xmlns:a16="http://schemas.microsoft.com/office/drawing/2014/main" id="{D90CC32D-B533-7E41-A361-6D4B7F2E03E0}"/>
+              </a:ext>
+            </a:extLst>
+          </p:cNvPr>
+          <p:cNvCxnSpPr/>
+          <p:nvPr/>
+        </p:nvCxnSpPr>
+        <p:spPr>
+          <a:xfrm>
+            <a:off x="673100" y="4978400"/>
+            <a:ext cx="6773333" cy="0"/>
+          </a:xfrm>
+          <a:prstGeom prst="line">
+            <a:avLst/>
+          </a:prstGeom>
+          <a:ln w="38100">
+            <a:solidFill>
+              <a:schemeClr val="accent1"/>
+            </a:solidFill>
+          </a:ln>
+        </p:spPr>
+        <p:style>
+          <a:lnRef idx="1">
+            <a:schemeClr val="accent1"/>
+          </a:lnRef>
+          <a:fillRef idx="0">
+            <a:schemeClr val="accent1"/>
+          </a:fillRef>
+          <a:effectRef idx="0">
+            <a:schemeClr val="accent1"/>
+          </a:effectRef>
+          <a:fontRef idx="minor">
+            <a:schemeClr val="tx1"/>
+          </a:fontRef>
+        </p:style>
+      </p:cxnSp>
+      <p:sp>
+        <p:nvSpPr>
+          <p:cNvPr id="11" name="左中括弧 10">
+            <a:extLst>
+              <a:ext uri="{FF2B5EF4-FFF2-40B4-BE49-F238E27FC236}">
+                <a16:creationId xmlns:a16="http://schemas.microsoft.com/office/drawing/2014/main" id="{B7B22416-2352-E645-BBE8-58F79EDD0BA5}"/>
+              </a:ext>
+            </a:extLst>
+          </p:cNvPr>
+          <p:cNvSpPr/>
+          <p:nvPr/>
+        </p:nvSpPr>
+        <p:spPr>
+          <a:xfrm rot="16200000">
+            <a:off x="5136800" y="-394758"/>
+            <a:ext cx="180619" cy="3160183"/>
+          </a:xfrm>
+          <a:prstGeom prst="leftBracket">
+            <a:avLst/>
+          </a:prstGeom>
+          <a:ln w="38100">
+            <a:solidFill>
+              <a:srgbClr val="FF0000"/>
+            </a:solidFill>
+          </a:ln>
+        </p:spPr>
+        <p:style>
+          <a:lnRef idx="1">
+            <a:schemeClr val="accent1"/>
+          </a:lnRef>
+          <a:fillRef idx="0">
+            <a:schemeClr val="accent1"/>
+          </a:fillRef>
+          <a:effectRef idx="0">
+            <a:schemeClr val="accent1"/>
+          </a:effectRef>
+          <a:fontRef idx="minor">
+            <a:schemeClr val="tx1"/>
+          </a:fontRef>
+        </p:style>
+        <p:txBody>
+          <a:bodyPr rtlCol="0" anchor="ctr"/>
+          <a:lstStyle/>
+          <a:p>
+            <a:pPr algn="ctr"/>
+            <a:endParaRPr kumimoji="1" lang="zh-TW" altLang="en-US"/>
+          </a:p>
+        </p:txBody>
+      </p:sp>
+      <p:sp>
+        <p:nvSpPr>
+          <p:cNvPr id="12" name="左中括弧 11">
+            <a:extLst>
+              <a:ext uri="{FF2B5EF4-FFF2-40B4-BE49-F238E27FC236}">
+                <a16:creationId xmlns:a16="http://schemas.microsoft.com/office/drawing/2014/main" id="{FF396045-6877-1946-B25D-4676455065E0}"/>
+              </a:ext>
+            </a:extLst>
+          </p:cNvPr>
+          <p:cNvSpPr/>
+          <p:nvPr/>
+        </p:nvSpPr>
+        <p:spPr>
+          <a:xfrm rot="16200000">
+            <a:off x="5119514" y="1845732"/>
+            <a:ext cx="201785" cy="1931815"/>
+          </a:xfrm>
+          <a:prstGeom prst="leftBracket">
+            <a:avLst/>
+          </a:prstGeom>
+          <a:ln w="38100">
+            <a:solidFill>
+              <a:srgbClr val="FF0000"/>
+            </a:solidFill>
+          </a:ln>
+        </p:spPr>
+        <p:style>
+          <a:lnRef idx="1">
+            <a:schemeClr val="accent1"/>
+          </a:lnRef>
+          <a:fillRef idx="0">
+            <a:schemeClr val="accent1"/>
+          </a:fillRef>
+          <a:effectRef idx="0">
+            <a:schemeClr val="accent1"/>
+          </a:effectRef>
+          <a:fontRef idx="minor">
+            <a:schemeClr val="tx1"/>
+          </a:fontRef>
+        </p:style>
+        <p:txBody>
+          <a:bodyPr rtlCol="0" anchor="ctr"/>
+          <a:lstStyle/>
+          <a:p>
+            <a:pPr algn="ctr"/>
+            <a:endParaRPr kumimoji="1" lang="zh-TW" altLang="en-US"/>
+          </a:p>
+        </p:txBody>
+      </p:sp>
+      <p:sp>
+        <p:nvSpPr>
+          <p:cNvPr id="13" name="左中括弧 12">
+            <a:extLst>
+              <a:ext uri="{FF2B5EF4-FFF2-40B4-BE49-F238E27FC236}">
+                <a16:creationId xmlns:a16="http://schemas.microsoft.com/office/drawing/2014/main" id="{6A6C574D-0D72-E943-970A-C72C24115C45}"/>
+              </a:ext>
+            </a:extLst>
+          </p:cNvPr>
+          <p:cNvSpPr/>
+          <p:nvPr/>
+        </p:nvSpPr>
+        <p:spPr>
+          <a:xfrm rot="16200000">
+            <a:off x="5145617" y="3961695"/>
+            <a:ext cx="160863" cy="701325"/>
+          </a:xfrm>
+          <a:prstGeom prst="leftBracket">
+            <a:avLst/>
+          </a:prstGeom>
+          <a:ln w="38100">
+            <a:solidFill>
+              <a:srgbClr val="FF0000"/>
+            </a:solidFill>
+          </a:ln>
+        </p:spPr>
+        <p:style>
+          <a:lnRef idx="1">
+            <a:schemeClr val="accent1"/>
+          </a:lnRef>
+          <a:fillRef idx="0">
+            <a:schemeClr val="accent1"/>
+          </a:fillRef>
+          <a:effectRef idx="0">
+            <a:schemeClr val="accent1"/>
+          </a:effectRef>
+          <a:fontRef idx="minor">
+            <a:schemeClr val="tx1"/>
+          </a:fontRef>
+        </p:style>
+        <p:txBody>
+          <a:bodyPr rtlCol="0" anchor="ctr"/>
+          <a:lstStyle/>
+          <a:p>
+            <a:pPr algn="ctr"/>
+            <a:endParaRPr kumimoji="1" lang="zh-TW" altLang="en-US"/>
+          </a:p>
+        </p:txBody>
+      </p:sp>
+      <p:sp>
+        <p:nvSpPr>
+          <p:cNvPr id="14" name="左中括弧 13">
+            <a:extLst>
+              <a:ext uri="{FF2B5EF4-FFF2-40B4-BE49-F238E27FC236}">
+                <a16:creationId xmlns:a16="http://schemas.microsoft.com/office/drawing/2014/main" id="{D24AFB31-75B2-604B-889B-D31A9D2D6A09}"/>
+              </a:ext>
+            </a:extLst>
+          </p:cNvPr>
+          <p:cNvSpPr/>
+          <p:nvPr/>
+        </p:nvSpPr>
+        <p:spPr>
+          <a:xfrm rot="16200000">
+            <a:off x="5519646" y="5679014"/>
+            <a:ext cx="118364" cy="1214972"/>
+          </a:xfrm>
+          <a:prstGeom prst="leftBracket">
+            <a:avLst/>
+          </a:prstGeom>
+          <a:ln w="38100">
+            <a:solidFill>
+              <a:srgbClr val="FF0000"/>
+            </a:solidFill>
+          </a:ln>
+        </p:spPr>
+        <p:style>
+          <a:lnRef idx="1">
+            <a:schemeClr val="accent1"/>
+          </a:lnRef>
+          <a:fillRef idx="0">
+            <a:schemeClr val="accent1"/>
+          </a:fillRef>
+          <a:effectRef idx="0">
+            <a:schemeClr val="accent1"/>
+          </a:effectRef>
+          <a:fontRef idx="minor">
+            <a:schemeClr val="tx1"/>
+          </a:fontRef>
+        </p:style>
+        <p:txBody>
+          <a:bodyPr rtlCol="0" anchor="ctr"/>
+          <a:lstStyle/>
+          <a:p>
+            <a:pPr algn="ctr"/>
+            <a:endParaRPr kumimoji="1" lang="zh-TW" altLang="en-US"/>
+          </a:p>
+        </p:txBody>
+      </p:sp>
+    </p:spTree>
+    <p:extLst>
+      <p:ext uri="{BB962C8B-B14F-4D97-AF65-F5344CB8AC3E}">
+        <p14:creationId xmlns:p14="http://schemas.microsoft.com/office/powerpoint/2010/main" val="2363959957"/>
       </p:ext>
     </p:extLst>
   </p:cSld>
@@ -9408,64 +10671,260 @@
             <p:ph idx="1"/>
           </p:nvPr>
         </p:nvSpPr>
-        <p:spPr/>
+        <p:spPr>
+          <a:xfrm>
+            <a:off x="677334" y="1930400"/>
+            <a:ext cx="8596668" cy="3880773"/>
+          </a:xfrm>
+        </p:spPr>
         <p:txBody>
           <a:bodyPr>
-            <a:normAutofit lnSpcReduction="10000"/>
+            <a:normAutofit/>
           </a:bodyPr>
           <a:lstStyle/>
           <a:p>
             <a:r>
-              <a:rPr lang="en" altLang="zh-TW" sz="2800" dirty="0">
+              <a:rPr lang="en" altLang="zh-TW" sz="2000" dirty="0">
                 <a:hlinkClick r:id="rId2"/>
               </a:rPr>
               <a:t>https://leetcode.com/problems/first-unique-character-in-a-string/</a:t>
             </a:r>
-            <a:endParaRPr lang="en" altLang="zh-TW" sz="2800" dirty="0"/>
-          </a:p>
-          <a:p>
-            <a:r>
-              <a:rPr lang="en" altLang="zh-TW" sz="2800" dirty="0"/>
+            <a:endParaRPr lang="en" altLang="zh-TW" sz="2000" dirty="0"/>
+          </a:p>
+          <a:p>
+            <a:r>
+              <a:rPr lang="en" altLang="zh-TW" sz="2000" dirty="0"/>
               <a:t>Given a string, find the first non-repeating character in it and return it's index. If it doesn't exist, return -1.</a:t>
             </a:r>
           </a:p>
           <a:p>
             <a:r>
-              <a:rPr lang="en" altLang="zh-TW" sz="2800" b="1" dirty="0"/>
+              <a:rPr lang="en" altLang="zh-TW" sz="2000" b="1" dirty="0"/>
               <a:t>Examples:</a:t>
             </a:r>
-            <a:endParaRPr lang="en" altLang="zh-TW" sz="2800" dirty="0"/>
+            <a:endParaRPr lang="en" altLang="zh-TW" sz="2000" dirty="0"/>
           </a:p>
           <a:p>
             <a:pPr lvl="1"/>
             <a:r>
-              <a:rPr lang="en" altLang="zh-TW" sz="2400" dirty="0"/>
+              <a:rPr lang="en" altLang="zh-TW" sz="2000" dirty="0"/>
               <a:t>s = "</a:t>
             </a:r>
             <a:r>
-              <a:rPr lang="en" altLang="zh-TW" sz="2400" dirty="0" err="1"/>
-              <a:t>leetcode</a:t>
-            </a:r>
-            <a:r>
-              <a:rPr lang="en" altLang="zh-TW" sz="2400" dirty="0"/>
+              <a:rPr lang="en" altLang="zh-TW" sz="2000" dirty="0" err="1">
+                <a:solidFill>
+                  <a:srgbClr val="FF0000"/>
+                </a:solidFill>
+              </a:rPr>
+              <a:t>l</a:t>
+            </a:r>
+            <a:r>
+              <a:rPr lang="en" altLang="zh-TW" sz="2000" dirty="0" err="1"/>
+              <a:t>eetcode</a:t>
+            </a:r>
+            <a:r>
+              <a:rPr lang="en" altLang="zh-TW" sz="2000" dirty="0"/>
               <a:t>" return 0. </a:t>
             </a:r>
           </a:p>
           <a:p>
             <a:pPr lvl="1"/>
             <a:r>
-              <a:rPr lang="en" altLang="zh-TW" sz="2400" dirty="0"/>
+              <a:rPr lang="en" altLang="zh-TW" sz="2000" dirty="0"/>
               <a:t>s = "</a:t>
             </a:r>
             <a:r>
-              <a:rPr lang="en" altLang="zh-TW" sz="2400" dirty="0" err="1"/>
+              <a:rPr lang="en" altLang="zh-TW" sz="2000" dirty="0" err="1"/>
+              <a:t>lo</a:t>
+            </a:r>
+            <a:r>
+              <a:rPr lang="en" altLang="zh-TW" sz="2000" dirty="0" err="1">
+                <a:solidFill>
+                  <a:srgbClr val="FF0000"/>
+                </a:solidFill>
+              </a:rPr>
+              <a:t>v</a:t>
+            </a:r>
+            <a:r>
+              <a:rPr lang="en" altLang="zh-TW" sz="2000" dirty="0" err="1"/>
+              <a:t>eleetcode</a:t>
+            </a:r>
+            <a:r>
+              <a:rPr lang="en" altLang="zh-TW" sz="2000" dirty="0"/>
+              <a:t>", return 2.</a:t>
+            </a:r>
+            <a:endParaRPr kumimoji="1" lang="zh-TW" altLang="en-US" sz="2000" dirty="0"/>
+          </a:p>
+        </p:txBody>
+      </p:sp>
+      <p:sp>
+        <p:nvSpPr>
+          <p:cNvPr id="4" name="文字方塊 3">
+            <a:extLst>
+              <a:ext uri="{FF2B5EF4-FFF2-40B4-BE49-F238E27FC236}">
+                <a16:creationId xmlns:a16="http://schemas.microsoft.com/office/drawing/2014/main" id="{CE26D702-B75F-4D46-94CD-196D07065F35}"/>
+              </a:ext>
+            </a:extLst>
+          </p:cNvPr>
+          <p:cNvSpPr txBox="1"/>
+          <p:nvPr/>
+        </p:nvSpPr>
+        <p:spPr>
+          <a:xfrm>
+            <a:off x="6175023" y="4001631"/>
+            <a:ext cx="4955203" cy="2246769"/>
+          </a:xfrm>
+          <a:prstGeom prst="rect">
+            <a:avLst/>
+          </a:prstGeom>
+          <a:solidFill>
+            <a:schemeClr val="bg1"/>
+          </a:solidFill>
+          <a:ln>
+            <a:solidFill>
+              <a:schemeClr val="accent1"/>
+            </a:solidFill>
+          </a:ln>
+        </p:spPr>
+        <p:txBody>
+          <a:bodyPr wrap="none" rtlCol="0">
+            <a:spAutoFit/>
+          </a:bodyPr>
+          <a:lstStyle/>
+          <a:p>
+            <a:r>
+              <a:rPr kumimoji="1" lang="en" altLang="zh-TW" sz="2000" dirty="0">
+                <a:latin typeface="Menlo" panose="020B0609030804020204" pitchFamily="49" charset="0"/>
+                <a:ea typeface="Menlo" panose="020B0609030804020204" pitchFamily="49" charset="0"/>
+                <a:cs typeface="Menlo" panose="020B0609030804020204" pitchFamily="49" charset="0"/>
+              </a:rPr>
+              <a:t>s = "</a:t>
+            </a:r>
+            <a:r>
+              <a:rPr kumimoji="1" lang="en" altLang="zh-TW" sz="2000" dirty="0" err="1">
+                <a:latin typeface="Menlo" panose="020B0609030804020204" pitchFamily="49" charset="0"/>
+                <a:ea typeface="Menlo" panose="020B0609030804020204" pitchFamily="49" charset="0"/>
+                <a:cs typeface="Menlo" panose="020B0609030804020204" pitchFamily="49" charset="0"/>
+              </a:rPr>
               <a:t>loveleetcode</a:t>
             </a:r>
             <a:r>
-              <a:rPr lang="en" altLang="zh-TW" sz="2400" dirty="0"/>
-              <a:t>", return 2.</a:t>
-            </a:r>
-            <a:endParaRPr kumimoji="1" lang="zh-TW" altLang="en-US" sz="2400" dirty="0"/>
+              <a:rPr kumimoji="1" lang="en" altLang="zh-TW" sz="2000" dirty="0">
+                <a:latin typeface="Menlo" panose="020B0609030804020204" pitchFamily="49" charset="0"/>
+                <a:ea typeface="Menlo" panose="020B0609030804020204" pitchFamily="49" charset="0"/>
+                <a:cs typeface="Menlo" panose="020B0609030804020204" pitchFamily="49" charset="0"/>
+              </a:rPr>
+              <a:t>"</a:t>
+            </a:r>
+          </a:p>
+          <a:p>
+            <a:endParaRPr kumimoji="1" lang="en" altLang="zh-TW" sz="2000" dirty="0">
+              <a:latin typeface="Menlo" panose="020B0609030804020204" pitchFamily="49" charset="0"/>
+              <a:ea typeface="Menlo" panose="020B0609030804020204" pitchFamily="49" charset="0"/>
+              <a:cs typeface="Menlo" panose="020B0609030804020204" pitchFamily="49" charset="0"/>
+            </a:endParaRPr>
+          </a:p>
+          <a:p>
+            <a:r>
+              <a:rPr kumimoji="1" lang="en" altLang="zh-TW" sz="2000" dirty="0">
+                <a:latin typeface="Menlo" panose="020B0609030804020204" pitchFamily="49" charset="0"/>
+                <a:ea typeface="Menlo" panose="020B0609030804020204" pitchFamily="49" charset="0"/>
+                <a:cs typeface="Menlo" panose="020B0609030804020204" pitchFamily="49" charset="0"/>
+              </a:rPr>
+              <a:t>for </a:t>
+            </a:r>
+            <a:r>
+              <a:rPr kumimoji="1" lang="en" altLang="zh-TW" sz="2000" dirty="0" err="1">
+                <a:latin typeface="Menlo" panose="020B0609030804020204" pitchFamily="49" charset="0"/>
+                <a:ea typeface="Menlo" panose="020B0609030804020204" pitchFamily="49" charset="0"/>
+                <a:cs typeface="Menlo" panose="020B0609030804020204" pitchFamily="49" charset="0"/>
+              </a:rPr>
+              <a:t>idx</a:t>
+            </a:r>
+            <a:r>
+              <a:rPr kumimoji="1" lang="en" altLang="zh-TW" sz="2000" dirty="0">
+                <a:latin typeface="Menlo" panose="020B0609030804020204" pitchFamily="49" charset="0"/>
+                <a:ea typeface="Menlo" panose="020B0609030804020204" pitchFamily="49" charset="0"/>
+                <a:cs typeface="Menlo" panose="020B0609030804020204" pitchFamily="49" charset="0"/>
+              </a:rPr>
+              <a:t>, c in enumerate(s):</a:t>
+            </a:r>
+          </a:p>
+          <a:p>
+            <a:r>
+              <a:rPr kumimoji="1" lang="en" altLang="zh-TW" sz="2000" dirty="0">
+                <a:latin typeface="Menlo" panose="020B0609030804020204" pitchFamily="49" charset="0"/>
+                <a:ea typeface="Menlo" panose="020B0609030804020204" pitchFamily="49" charset="0"/>
+                <a:cs typeface="Menlo" panose="020B0609030804020204" pitchFamily="49" charset="0"/>
+              </a:rPr>
+              <a:t>    check = s[:</a:t>
+            </a:r>
+            <a:r>
+              <a:rPr kumimoji="1" lang="en" altLang="zh-TW" sz="2000" dirty="0" err="1">
+                <a:latin typeface="Menlo" panose="020B0609030804020204" pitchFamily="49" charset="0"/>
+                <a:ea typeface="Menlo" panose="020B0609030804020204" pitchFamily="49" charset="0"/>
+                <a:cs typeface="Menlo" panose="020B0609030804020204" pitchFamily="49" charset="0"/>
+              </a:rPr>
+              <a:t>idx</a:t>
+            </a:r>
+            <a:r>
+              <a:rPr kumimoji="1" lang="en" altLang="zh-TW" sz="2000" dirty="0">
+                <a:latin typeface="Menlo" panose="020B0609030804020204" pitchFamily="49" charset="0"/>
+                <a:ea typeface="Menlo" panose="020B0609030804020204" pitchFamily="49" charset="0"/>
+                <a:cs typeface="Menlo" panose="020B0609030804020204" pitchFamily="49" charset="0"/>
+              </a:rPr>
+              <a:t>] + s[idx+1:]</a:t>
+            </a:r>
+          </a:p>
+          <a:p>
+            <a:r>
+              <a:rPr kumimoji="1" lang="en" altLang="zh-TW" sz="2000" dirty="0">
+                <a:latin typeface="Menlo" panose="020B0609030804020204" pitchFamily="49" charset="0"/>
+                <a:ea typeface="Menlo" panose="020B0609030804020204" pitchFamily="49" charset="0"/>
+                <a:cs typeface="Menlo" panose="020B0609030804020204" pitchFamily="49" charset="0"/>
+              </a:rPr>
+              <a:t>    if c not in check:</a:t>
+            </a:r>
+          </a:p>
+          <a:p>
+            <a:r>
+              <a:rPr kumimoji="1" lang="en" altLang="zh-TW" sz="2000" dirty="0">
+                <a:latin typeface="Menlo" panose="020B0609030804020204" pitchFamily="49" charset="0"/>
+                <a:ea typeface="Menlo" panose="020B0609030804020204" pitchFamily="49" charset="0"/>
+                <a:cs typeface="Menlo" panose="020B0609030804020204" pitchFamily="49" charset="0"/>
+              </a:rPr>
+              <a:t>        print(</a:t>
+            </a:r>
+            <a:r>
+              <a:rPr kumimoji="1" lang="en" altLang="zh-TW" sz="2000" dirty="0" err="1">
+                <a:latin typeface="Menlo" panose="020B0609030804020204" pitchFamily="49" charset="0"/>
+                <a:ea typeface="Menlo" panose="020B0609030804020204" pitchFamily="49" charset="0"/>
+                <a:cs typeface="Menlo" panose="020B0609030804020204" pitchFamily="49" charset="0"/>
+              </a:rPr>
+              <a:t>idx</a:t>
+            </a:r>
+            <a:r>
+              <a:rPr kumimoji="1" lang="en" altLang="zh-TW" sz="2000" dirty="0">
+                <a:latin typeface="Menlo" panose="020B0609030804020204" pitchFamily="49" charset="0"/>
+                <a:ea typeface="Menlo" panose="020B0609030804020204" pitchFamily="49" charset="0"/>
+                <a:cs typeface="Menlo" panose="020B0609030804020204" pitchFamily="49" charset="0"/>
+              </a:rPr>
+              <a:t>)</a:t>
+            </a:r>
+          </a:p>
+          <a:p>
+            <a:r>
+              <a:rPr kumimoji="1" lang="en" altLang="zh-TW" sz="2000" dirty="0">
+                <a:latin typeface="Menlo" panose="020B0609030804020204" pitchFamily="49" charset="0"/>
+                <a:ea typeface="Menlo" panose="020B0609030804020204" pitchFamily="49" charset="0"/>
+                <a:cs typeface="Menlo" panose="020B0609030804020204" pitchFamily="49" charset="0"/>
+              </a:rPr>
+              <a:t>        break</a:t>
+            </a:r>
+            <a:endParaRPr kumimoji="1" lang="zh-TW" altLang="en-US" sz="2000" dirty="0">
+              <a:latin typeface="Menlo" panose="020B0609030804020204" pitchFamily="49" charset="0"/>
+              <a:cs typeface="Menlo" panose="020B0609030804020204" pitchFamily="49" charset="0"/>
+            </a:endParaRPr>
           </a:p>
         </p:txBody>
       </p:sp>
@@ -10168,6 +11627,124 @@
               <a:t> False</a:t>
             </a:r>
             <a:endParaRPr kumimoji="1" lang="zh-TW" altLang="en-US" dirty="0"/>
+          </a:p>
+        </p:txBody>
+      </p:sp>
+      <p:sp>
+        <p:nvSpPr>
+          <p:cNvPr id="4" name="文字方塊 3">
+            <a:extLst>
+              <a:ext uri="{FF2B5EF4-FFF2-40B4-BE49-F238E27FC236}">
+                <a16:creationId xmlns:a16="http://schemas.microsoft.com/office/drawing/2014/main" id="{1C94B248-F944-084D-AE8F-503CAEFCAB4F}"/>
+              </a:ext>
+            </a:extLst>
+          </p:cNvPr>
+          <p:cNvSpPr txBox="1"/>
+          <p:nvPr/>
+        </p:nvSpPr>
+        <p:spPr>
+          <a:xfrm>
+            <a:off x="4693446" y="4780846"/>
+            <a:ext cx="3262432" cy="1015663"/>
+          </a:xfrm>
+          <a:prstGeom prst="rect">
+            <a:avLst/>
+          </a:prstGeom>
+          <a:solidFill>
+            <a:schemeClr val="bg1"/>
+          </a:solidFill>
+          <a:ln>
+            <a:solidFill>
+              <a:schemeClr val="accent1"/>
+            </a:solidFill>
+          </a:ln>
+        </p:spPr>
+        <p:txBody>
+          <a:bodyPr wrap="none" rtlCol="0">
+            <a:spAutoFit/>
+          </a:bodyPr>
+          <a:lstStyle/>
+          <a:p>
+            <a:r>
+              <a:rPr kumimoji="1" lang="en" altLang="zh-TW" sz="2000" dirty="0">
+                <a:latin typeface="Menlo" panose="020B0609030804020204" pitchFamily="49" charset="0"/>
+                <a:ea typeface="Menlo" panose="020B0609030804020204" pitchFamily="49" charset="0"/>
+                <a:cs typeface="Menlo" panose="020B0609030804020204" pitchFamily="49" charset="0"/>
+              </a:rPr>
+              <a:t>word == </a:t>
+            </a:r>
+            <a:r>
+              <a:rPr kumimoji="1" lang="en" altLang="zh-TW" sz="2000" dirty="0" err="1">
+                <a:latin typeface="Menlo" panose="020B0609030804020204" pitchFamily="49" charset="0"/>
+                <a:ea typeface="Menlo" panose="020B0609030804020204" pitchFamily="49" charset="0"/>
+                <a:cs typeface="Menlo" panose="020B0609030804020204" pitchFamily="49" charset="0"/>
+              </a:rPr>
+              <a:t>word.upper</a:t>
+            </a:r>
+            <a:r>
+              <a:rPr kumimoji="1" lang="en" altLang="zh-TW" sz="2000" dirty="0">
+                <a:latin typeface="Menlo" panose="020B0609030804020204" pitchFamily="49" charset="0"/>
+                <a:ea typeface="Menlo" panose="020B0609030804020204" pitchFamily="49" charset="0"/>
+                <a:cs typeface="Menlo" panose="020B0609030804020204" pitchFamily="49" charset="0"/>
+              </a:rPr>
+              <a:t>()</a:t>
+            </a:r>
+          </a:p>
+          <a:p>
+            <a:r>
+              <a:rPr kumimoji="1" lang="en" altLang="zh-TW" sz="2000" dirty="0">
+                <a:latin typeface="Menlo" panose="020B0609030804020204" pitchFamily="49" charset="0"/>
+                <a:ea typeface="Menlo" panose="020B0609030804020204" pitchFamily="49" charset="0"/>
+                <a:cs typeface="Menlo" panose="020B0609030804020204" pitchFamily="49" charset="0"/>
+              </a:rPr>
+              <a:t>word == </a:t>
+            </a:r>
+            <a:r>
+              <a:rPr kumimoji="1" lang="en" altLang="zh-TW" sz="2000" dirty="0" err="1">
+                <a:latin typeface="Menlo" panose="020B0609030804020204" pitchFamily="49" charset="0"/>
+                <a:ea typeface="Menlo" panose="020B0609030804020204" pitchFamily="49" charset="0"/>
+                <a:cs typeface="Menlo" panose="020B0609030804020204" pitchFamily="49" charset="0"/>
+              </a:rPr>
+              <a:t>word.lower</a:t>
+            </a:r>
+            <a:r>
+              <a:rPr kumimoji="1" lang="en" altLang="zh-TW" sz="2000" dirty="0">
+                <a:latin typeface="Menlo" panose="020B0609030804020204" pitchFamily="49" charset="0"/>
+                <a:ea typeface="Menlo" panose="020B0609030804020204" pitchFamily="49" charset="0"/>
+                <a:cs typeface="Menlo" panose="020B0609030804020204" pitchFamily="49" charset="0"/>
+              </a:rPr>
+              <a:t>()</a:t>
+            </a:r>
+          </a:p>
+          <a:p>
+            <a:r>
+              <a:rPr kumimoji="1" lang="en" altLang="zh-TW" sz="2000" dirty="0">
+                <a:latin typeface="Menlo" panose="020B0609030804020204" pitchFamily="49" charset="0"/>
+                <a:ea typeface="Menlo" panose="020B0609030804020204" pitchFamily="49" charset="0"/>
+                <a:cs typeface="Menlo" panose="020B0609030804020204" pitchFamily="49" charset="0"/>
+              </a:rPr>
+              <a:t>word == </a:t>
+            </a:r>
+            <a:r>
+              <a:rPr kumimoji="1" lang="en" altLang="zh-TW" sz="2000" dirty="0" err="1">
+                <a:latin typeface="Menlo" panose="020B0609030804020204" pitchFamily="49" charset="0"/>
+                <a:ea typeface="Menlo" panose="020B0609030804020204" pitchFamily="49" charset="0"/>
+                <a:cs typeface="Menlo" panose="020B0609030804020204" pitchFamily="49" charset="0"/>
+              </a:rPr>
+              <a:t>word.title</a:t>
+            </a:r>
+            <a:r>
+              <a:rPr kumimoji="1" lang="en" altLang="zh-TW" sz="2000" dirty="0">
+                <a:latin typeface="Menlo" panose="020B0609030804020204" pitchFamily="49" charset="0"/>
+                <a:ea typeface="Menlo" panose="020B0609030804020204" pitchFamily="49" charset="0"/>
+                <a:cs typeface="Menlo" panose="020B0609030804020204" pitchFamily="49" charset="0"/>
+              </a:rPr>
+              <a:t>()</a:t>
+            </a:r>
+            <a:endParaRPr kumimoji="1" lang="zh-TW" altLang="en-US" sz="2000" dirty="0">
+              <a:latin typeface="Menlo" panose="020B0609030804020204" pitchFamily="49" charset="0"/>
+              <a:cs typeface="Menlo" panose="020B0609030804020204" pitchFamily="49" charset="0"/>
+            </a:endParaRPr>
           </a:p>
         </p:txBody>
       </p:sp>
